--- a/papers/data-intensive-bio/Presentation/LBRN-EAC-2011.pptx
+++ b/papers/data-intensive-bio/Presentation/LBRN-EAC-2011.pptx
@@ -29581,11 +29581,7 @@
           <a:p>
             <a:r>
               <a:rPr lang="en-US" dirty="0"/>
-              <a:t>DARE-NGS </a:t>
-            </a:r>
-            <a:r>
-              <a:rPr lang="en-US" dirty="0"/>
-              <a:t>: </a:t>
+              <a:t>DARE-NGS : </a:t>
             </a:r>
             <a:r>
               <a:rPr lang="en-US" dirty="0" smtClean="0"/>
@@ -30273,6 +30269,52 @@
             <a:r>
               <a:rPr lang="en-US" dirty="0" smtClean="0"/>
               <a:t>Using Cloud</a:t>
+            </a:r>
+            <a:endParaRPr lang="en-US" dirty="0"/>
+          </a:p>
+        </p:txBody>
+      </p:sp>
+      <p:sp>
+        <p:nvSpPr>
+          <p:cNvPr id="24" name="Right Arrow Callout 23"/>
+          <p:cNvSpPr/>
+          <p:nvPr/>
+        </p:nvSpPr>
+        <p:spPr>
+          <a:xfrm>
+            <a:off x="4749968" y="5384236"/>
+            <a:ext cx="1987901" cy="966402"/>
+          </a:xfrm>
+          <a:prstGeom prst="rightArrowCallout">
+            <a:avLst/>
+          </a:prstGeom>
+        </p:spPr>
+        <p:style>
+          <a:lnRef idx="1">
+            <a:schemeClr val="accent1"/>
+          </a:lnRef>
+          <a:fillRef idx="3">
+            <a:schemeClr val="accent1"/>
+          </a:fillRef>
+          <a:effectRef idx="2">
+            <a:schemeClr val="accent1"/>
+          </a:effectRef>
+          <a:fontRef idx="minor">
+            <a:schemeClr val="lt1"/>
+          </a:fontRef>
+        </p:style>
+        <p:txBody>
+          <a:bodyPr rtlCol="0" anchor="ctr"/>
+          <a:lstStyle/>
+          <a:p>
+            <a:pPr algn="ctr"/>
+            <a:r>
+              <a:rPr lang="en-US" dirty="0" smtClean="0"/>
+              <a:t>Other Peak</a:t>
+            </a:r>
+            <a:r>
+              <a:rPr lang="en-US" dirty="0" smtClean="0"/>
+              <a:t> Caller</a:t>
             </a:r>
             <a:endParaRPr lang="en-US" dirty="0"/>
           </a:p>
@@ -30448,6 +30490,97 @@
                       </p:childTnLst>
                     </p:cTn>
                   </p:par>
+                  <p:par>
+                    <p:cTn id="15" fill="hold">
+                      <p:stCondLst>
+                        <p:cond delay="indefinite"/>
+                      </p:stCondLst>
+                      <p:childTnLst>
+                        <p:par>
+                          <p:cTn id="16" fill="hold">
+                            <p:stCondLst>
+                              <p:cond delay="0"/>
+                            </p:stCondLst>
+                            <p:childTnLst>
+                              <p:par>
+                                <p:cTn id="17" presetID="2" presetClass="entr" presetSubtype="4" fill="hold" grpId="0" nodeType="clickEffect">
+                                  <p:stCondLst>
+                                    <p:cond delay="0"/>
+                                  </p:stCondLst>
+                                  <p:childTnLst>
+                                    <p:set>
+                                      <p:cBhvr>
+                                        <p:cTn id="18" dur="1" fill="hold">
+                                          <p:stCondLst>
+                                            <p:cond delay="0"/>
+                                          </p:stCondLst>
+                                        </p:cTn>
+                                        <p:tgtEl>
+                                          <p:spTgt spid="24"/>
+                                        </p:tgtEl>
+                                        <p:attrNameLst>
+                                          <p:attrName>style.visibility</p:attrName>
+                                        </p:attrNameLst>
+                                      </p:cBhvr>
+                                      <p:to>
+                                        <p:strVal val="visible"/>
+                                      </p:to>
+                                    </p:set>
+                                    <p:anim calcmode="lin" valueType="num">
+                                      <p:cBhvr additive="base">
+                                        <p:cTn id="19" dur="500" fill="hold"/>
+                                        <p:tgtEl>
+                                          <p:spTgt spid="24"/>
+                                        </p:tgtEl>
+                                        <p:attrNameLst>
+                                          <p:attrName>ppt_x</p:attrName>
+                                        </p:attrNameLst>
+                                      </p:cBhvr>
+                                      <p:tavLst>
+                                        <p:tav tm="0">
+                                          <p:val>
+                                            <p:strVal val="#ppt_x"/>
+                                          </p:val>
+                                        </p:tav>
+                                        <p:tav tm="100000">
+                                          <p:val>
+                                            <p:strVal val="#ppt_x"/>
+                                          </p:val>
+                                        </p:tav>
+                                      </p:tavLst>
+                                    </p:anim>
+                                    <p:anim calcmode="lin" valueType="num">
+                                      <p:cBhvr additive="base">
+                                        <p:cTn id="20" dur="500" fill="hold"/>
+                                        <p:tgtEl>
+                                          <p:spTgt spid="24"/>
+                                        </p:tgtEl>
+                                        <p:attrNameLst>
+                                          <p:attrName>ppt_y</p:attrName>
+                                        </p:attrNameLst>
+                                      </p:cBhvr>
+                                      <p:tavLst>
+                                        <p:tav tm="0">
+                                          <p:val>
+                                            <p:strVal val="1+#ppt_h/2"/>
+                                          </p:val>
+                                        </p:tav>
+                                        <p:tav tm="100000">
+                                          <p:val>
+                                            <p:strVal val="#ppt_y"/>
+                                          </p:val>
+                                        </p:tav>
+                                      </p:tavLst>
+                                    </p:anim>
+                                  </p:childTnLst>
+                                </p:cTn>
+                              </p:par>
+                            </p:childTnLst>
+                          </p:cTn>
+                        </p:par>
+                      </p:childTnLst>
+                    </p:cTn>
+                  </p:par>
                 </p:childTnLst>
               </p:cTn>
               <p:prevCondLst>
@@ -30472,6 +30605,7 @@
     <p:bldLst>
       <p:bldP spid="21" grpId="0" animBg="1"/>
       <p:bldP spid="23" grpId="0" animBg="1"/>
+      <p:bldP spid="24" grpId="0" animBg="1"/>
     </p:bldLst>
   </p:timing>
 </p:sld>
@@ -31983,20 +32117,11 @@
               <a:rPr lang="en-US" sz="1400" dirty="0" smtClean="0"/>
               <a:t>                   - H3K4me3 </a:t>
             </a:r>
-            <a:endParaRPr lang="en-US" sz="1400" dirty="0" smtClean="0"/>
           </a:p>
           <a:p>
             <a:r>
               <a:rPr lang="en-US" sz="1400" dirty="0" smtClean="0"/>
-              <a:t>Parallel and concurrent mapping : </a:t>
-            </a:r>
-            <a:r>
-              <a:rPr lang="en-US" sz="1400" dirty="0" smtClean="0"/>
-              <a:t>100 </a:t>
-            </a:r>
-            <a:r>
-              <a:rPr lang="en-US" sz="1400" dirty="0" smtClean="0"/>
-              <a:t>MB of 5.8 GB (treat) 6.6 GB (control) </a:t>
+              <a:t>Parallel and concurrent mapping : 100 MB of 5.8 GB (treat) 6.6 GB (control) </a:t>
             </a:r>
           </a:p>
           <a:p>
@@ -32032,6 +32157,87 @@
             <a:r>
               <a:rPr lang="en-US" dirty="0" smtClean="0"/>
               <a:t>Pipeline : Scalability, Extensibility, and Flexibility and Type II Example</a:t>
+            </a:r>
+            <a:endParaRPr lang="en-US" dirty="0"/>
+          </a:p>
+        </p:txBody>
+      </p:sp>
+      <p:cxnSp>
+        <p:nvCxnSpPr>
+          <p:cNvPr id="3" name="Straight Arrow Connector 2"/>
+          <p:cNvCxnSpPr/>
+          <p:nvPr/>
+        </p:nvCxnSpPr>
+        <p:spPr>
+          <a:xfrm flipH="1">
+            <a:off x="1427078" y="4416231"/>
+            <a:ext cx="927600" cy="699178"/>
+          </a:xfrm>
+          <a:prstGeom prst="straightConnector1">
+            <a:avLst/>
+          </a:prstGeom>
+          <a:ln w="76200" cmpd="sng">
+            <a:solidFill>
+              <a:srgbClr val="FF0000"/>
+            </a:solidFill>
+            <a:tailEnd type="arrow"/>
+          </a:ln>
+        </p:spPr>
+        <p:style>
+          <a:lnRef idx="2">
+            <a:schemeClr val="accent2"/>
+          </a:lnRef>
+          <a:fillRef idx="0">
+            <a:schemeClr val="accent2"/>
+          </a:fillRef>
+          <a:effectRef idx="1">
+            <a:schemeClr val="accent2"/>
+          </a:effectRef>
+          <a:fontRef idx="minor">
+            <a:schemeClr val="tx1"/>
+          </a:fontRef>
+        </p:style>
+      </p:cxnSp>
+      <p:sp>
+        <p:nvSpPr>
+          <p:cNvPr id="8" name="Explosion 1 7"/>
+          <p:cNvSpPr/>
+          <p:nvPr/>
+        </p:nvSpPr>
+        <p:spPr>
+          <a:xfrm>
+            <a:off x="242940" y="3036163"/>
+            <a:ext cx="6578828" cy="1826423"/>
+          </a:xfrm>
+          <a:prstGeom prst="irregularSeal1">
+            <a:avLst/>
+          </a:prstGeom>
+        </p:spPr>
+        <p:style>
+          <a:lnRef idx="0">
+            <a:schemeClr val="accent2"/>
+          </a:lnRef>
+          <a:fillRef idx="3">
+            <a:schemeClr val="accent2"/>
+          </a:fillRef>
+          <a:effectRef idx="3">
+            <a:schemeClr val="accent2"/>
+          </a:effectRef>
+          <a:fontRef idx="minor">
+            <a:schemeClr val="lt1"/>
+          </a:fontRef>
+        </p:style>
+        <p:txBody>
+          <a:bodyPr rtlCol="0" anchor="ctr"/>
+          <a:lstStyle/>
+          <a:p>
+            <a:r>
+              <a:rPr lang="en-US" sz="1600" dirty="0"/>
+              <a:t>2000 (sec) x 256 (cores) = 142 hours</a:t>
+            </a:r>
+            <a:r>
+              <a:rPr lang="en-US" dirty="0"/>
+              <a:t> </a:t>
             </a:r>
             <a:endParaRPr lang="en-US" dirty="0"/>
           </a:p>
@@ -32131,6 +32337,140 @@
                       </p:childTnLst>
                     </p:cTn>
                   </p:par>
+                  <p:par>
+                    <p:cTn id="9" fill="hold">
+                      <p:stCondLst>
+                        <p:cond delay="indefinite"/>
+                      </p:stCondLst>
+                      <p:childTnLst>
+                        <p:par>
+                          <p:cTn id="10" fill="hold">
+                            <p:stCondLst>
+                              <p:cond delay="0"/>
+                            </p:stCondLst>
+                            <p:childTnLst>
+                              <p:par>
+                                <p:cTn id="11" presetID="12" presetClass="entr" presetSubtype="4" fill="hold" nodeType="clickEffect">
+                                  <p:stCondLst>
+                                    <p:cond delay="0"/>
+                                  </p:stCondLst>
+                                  <p:childTnLst>
+                                    <p:set>
+                                      <p:cBhvr>
+                                        <p:cTn id="12" dur="1" fill="hold">
+                                          <p:stCondLst>
+                                            <p:cond delay="0"/>
+                                          </p:stCondLst>
+                                        </p:cTn>
+                                        <p:tgtEl>
+                                          <p:spTgt spid="3"/>
+                                        </p:tgtEl>
+                                        <p:attrNameLst>
+                                          <p:attrName>style.visibility</p:attrName>
+                                        </p:attrNameLst>
+                                      </p:cBhvr>
+                                      <p:to>
+                                        <p:strVal val="visible"/>
+                                      </p:to>
+                                    </p:set>
+                                    <p:anim calcmode="lin" valueType="num">
+                                      <p:cBhvr additive="base">
+                                        <p:cTn id="13" dur="500"/>
+                                        <p:tgtEl>
+                                          <p:spTgt spid="3"/>
+                                        </p:tgtEl>
+                                        <p:attrNameLst>
+                                          <p:attrName>ppt_y</p:attrName>
+                                        </p:attrNameLst>
+                                      </p:cBhvr>
+                                      <p:tavLst>
+                                        <p:tav tm="0">
+                                          <p:val>
+                                            <p:strVal val="#ppt_y+#ppt_h*1.125000"/>
+                                          </p:val>
+                                        </p:tav>
+                                        <p:tav tm="100000">
+                                          <p:val>
+                                            <p:strVal val="#ppt_y"/>
+                                          </p:val>
+                                        </p:tav>
+                                      </p:tavLst>
+                                    </p:anim>
+                                    <p:animEffect transition="in" filter="wipe(up)">
+                                      <p:cBhvr>
+                                        <p:cTn id="14" dur="500"/>
+                                        <p:tgtEl>
+                                          <p:spTgt spid="3"/>
+                                        </p:tgtEl>
+                                      </p:cBhvr>
+                                    </p:animEffect>
+                                  </p:childTnLst>
+                                </p:cTn>
+                              </p:par>
+                              <p:par>
+                                <p:cTn id="15" presetID="12" presetClass="entr" presetSubtype="4" fill="hold" grpId="0" nodeType="withEffect">
+                                  <p:stCondLst>
+                                    <p:cond delay="0"/>
+                                  </p:stCondLst>
+                                  <p:childTnLst>
+                                    <p:set>
+                                      <p:cBhvr>
+                                        <p:cTn id="16" dur="1" fill="hold">
+                                          <p:stCondLst>
+                                            <p:cond delay="0"/>
+                                          </p:stCondLst>
+                                        </p:cTn>
+                                        <p:tgtEl>
+                                          <p:spTgt spid="8"/>
+                                        </p:tgtEl>
+                                        <p:attrNameLst>
+                                          <p:attrName>style.visibility</p:attrName>
+                                        </p:attrNameLst>
+                                      </p:cBhvr>
+                                      <p:to>
+                                        <p:strVal val="visible"/>
+                                      </p:to>
+                                    </p:set>
+                                    <p:anim calcmode="lin" valueType="num">
+                                      <p:cBhvr additive="base">
+                                        <p:cTn id="17" dur="500"/>
+                                        <p:tgtEl>
+                                          <p:spTgt spid="8"/>
+                                        </p:tgtEl>
+                                        <p:attrNameLst>
+                                          <p:attrName>ppt_y</p:attrName>
+                                        </p:attrNameLst>
+                                      </p:cBhvr>
+                                      <p:tavLst>
+                                        <p:tav tm="0">
+                                          <p:val>
+                                            <p:strVal val="#ppt_y+#ppt_h*1.125000"/>
+                                          </p:val>
+                                        </p:tav>
+                                        <p:tav tm="100000">
+                                          <p:val>
+                                            <p:strVal val="#ppt_y"/>
+                                          </p:val>
+                                        </p:tav>
+                                      </p:tavLst>
+                                    </p:anim>
+                                    <p:animEffect transition="in" filter="wipe(up)">
+                                      <p:cBhvr>
+                                        <p:cTn id="18" dur="500"/>
+                                        <p:tgtEl>
+                                          <p:spTgt spid="8"/>
+                                        </p:tgtEl>
+                                      </p:cBhvr>
+                                    </p:animEffect>
+                                  </p:childTnLst>
+                                </p:cTn>
+                              </p:par>
+                            </p:childTnLst>
+                          </p:cTn>
+                        </p:par>
+                      </p:childTnLst>
+                    </p:cTn>
+                  </p:par>
                 </p:childTnLst>
               </p:cTn>
               <p:prevCondLst>
@@ -32152,6 +32492,9 @@
         </p:cTn>
       </p:par>
     </p:tnLst>
+    <p:bldLst>
+      <p:bldP spid="8" grpId="0" animBg="1"/>
+    </p:bldLst>
   </p:timing>
 </p:sld>
 </file>
@@ -34112,15 +34455,7 @@
             </a:r>
             <a:r>
               <a:rPr lang="en-US" dirty="0" smtClean="0"/>
-              <a:t>o </a:t>
-            </a:r>
-            <a:r>
-              <a:rPr lang="en-US" dirty="0" smtClean="0"/>
-              <a:t>we need HPDC and </a:t>
-            </a:r>
-            <a:r>
-              <a:rPr lang="en-US" dirty="0" smtClean="0"/>
-              <a:t>Gateways</a:t>
+              <a:t>o we need HPDC and Gateways</a:t>
             </a:r>
             <a:r>
               <a:rPr lang="en-US" dirty="0" smtClean="0">
@@ -34234,11 +34569,7 @@
             </a:r>
             <a:r>
               <a:rPr lang="en-US" dirty="0" smtClean="0"/>
-              <a:t>he complexity of using distributed HPC resources and emerging cloud environment.   Therefore we propose </a:t>
-            </a:r>
-            <a:r>
-              <a:rPr lang="en-US" dirty="0" smtClean="0"/>
-              <a:t>Gateways.</a:t>
+              <a:t>he complexity of using distributed HPC resources and emerging cloud environment.   Therefore we propose Gateways.</a:t>
             </a:r>
             <a:endParaRPr lang="en-US" dirty="0"/>
           </a:p>
@@ -35569,17 +35900,12 @@
               <a:rPr lang="en-US" kern="1200" dirty="0" smtClean="0"/>
               <a:t>WGS, CHIP-Seq, RNA-Seq: </a:t>
             </a:r>
-            <a:endParaRPr lang="en-US" kern="1200" dirty="0" smtClean="0"/>
           </a:p>
           <a:p>
             <a:pPr algn="ctr"/>
             <a:r>
               <a:rPr lang="en-US" kern="1200" dirty="0" smtClean="0"/>
-              <a:t>Billions </a:t>
-            </a:r>
-            <a:r>
-              <a:rPr lang="en-US" kern="1200" dirty="0" smtClean="0"/>
-              <a:t>Short Reads</a:t>
+              <a:t>Billions Short Reads</a:t>
             </a:r>
             <a:endParaRPr lang="en-US" kern="1200" dirty="0"/>
           </a:p>
@@ -36471,11 +36797,7 @@
             </a:r>
             <a:r>
               <a:rPr lang="en-US" sz="1600" kern="1200" dirty="0" smtClean="0"/>
-              <a:t>, Gene Regulation, Pathway </a:t>
-            </a:r>
-            <a:r>
-              <a:rPr lang="en-US" sz="1600" kern="1200" dirty="0" smtClean="0"/>
-              <a:t>Analysis – Cell Development &amp; Differentiation, Host-Pathogen interaction, Biomedical research </a:t>
+              <a:t>, Gene Regulation, Pathway Analysis – Cell Development &amp; Differentiation, Host-Pathogen interaction, Biomedical research </a:t>
             </a:r>
             <a:endParaRPr lang="en-US" sz="1600" kern="1200" dirty="0"/>
           </a:p>
@@ -36870,11 +37192,7 @@
             </a:r>
             <a:r>
               <a:rPr lang="en-US" dirty="0" smtClean="0"/>
-              <a:t>Scientific </a:t>
-            </a:r>
-            <a:r>
-              <a:rPr lang="en-US" dirty="0" smtClean="0"/>
-              <a:t>Collaborative Development</a:t>
+              <a:t>Scientific Collaborative Development</a:t>
             </a:r>
             <a:endParaRPr lang="en-US" dirty="0"/>
           </a:p>
@@ -37152,15 +37470,7 @@
                     <a:srgbClr val="000000"/>
                   </a:solidFill>
                 </a:rPr>
-                <a:t>RNA-Seq : Transcriptome </a:t>
-              </a:r>
-              <a:r>
-                <a:rPr lang="en-US" sz="2000" dirty="0" smtClean="0">
-                  <a:solidFill>
-                    <a:srgbClr val="000000"/>
-                  </a:solidFill>
-                </a:rPr>
-                <a:t>Analysis of </a:t>
+                <a:t>RNA-Seq : Transcriptome Analysis of </a:t>
               </a:r>
               <a:r>
                 <a:rPr lang="en-US" sz="2000" dirty="0" err="1" smtClean="0">
@@ -37192,15 +37502,7 @@
                     <a:srgbClr val="000000"/>
                   </a:solidFill>
                 </a:rPr>
-                <a:t> </a:t>
-              </a:r>
-              <a:r>
-                <a:rPr lang="en-US" sz="2000" dirty="0" smtClean="0">
-                  <a:solidFill>
-                    <a:srgbClr val="000000"/>
-                  </a:solidFill>
-                </a:rPr>
-                <a:t>Discovery (Tulane U)</a:t>
+                <a:t> Discovery (Tulane U)</a:t>
               </a:r>
               <a:endParaRPr lang="en-US" sz="2000" dirty="0">
                 <a:solidFill>
@@ -38002,13 +38304,8 @@
           <a:p>
             <a:r>
               <a:rPr lang="en-US" dirty="0"/>
-              <a:t>DARE-NGS </a:t>
-            </a:r>
-            <a:r>
-              <a:rPr lang="en-US" dirty="0"/>
-              <a:t>: Scientific Collaborative Development</a:t>
-            </a:r>
-            <a:endParaRPr lang="en-US" dirty="0"/>
+              <a:t>DARE-NGS : Scientific Collaborative Development</a:t>
+            </a:r>
           </a:p>
         </p:txBody>
       </p:sp>
@@ -38236,15 +38533,7 @@
                   <a:srgbClr val="000000"/>
                 </a:solidFill>
               </a:rPr>
-              <a:t>Focus</a:t>
-            </a:r>
-            <a:r>
-              <a:rPr lang="en-US" sz="2000" dirty="0" smtClean="0">
-                <a:solidFill>
-                  <a:srgbClr val="000000"/>
-                </a:solidFill>
-              </a:rPr>
-              <a:t> </a:t>
+              <a:t>Focus </a:t>
             </a:r>
             <a:r>
               <a:rPr lang="en-US" sz="2000" dirty="0">
@@ -38475,15 +38764,7 @@
                   <a:srgbClr val="000000"/>
                 </a:solidFill>
               </a:rPr>
-              <a:t>Focus</a:t>
-            </a:r>
-            <a:r>
-              <a:rPr lang="en-US" sz="2000" dirty="0" smtClean="0">
-                <a:solidFill>
-                  <a:srgbClr val="000000"/>
-                </a:solidFill>
-              </a:rPr>
-              <a:t> </a:t>
+              <a:t>Focus </a:t>
             </a:r>
             <a:r>
               <a:rPr lang="en-US" sz="2000" dirty="0">
@@ -38573,11 +38854,6 @@
               </a:rPr>
               <a:t> </a:t>
             </a:r>
-            <a:endParaRPr lang="en-US" sz="2000" kern="1200" dirty="0" smtClean="0">
-              <a:solidFill>
-                <a:srgbClr val="000000"/>
-              </a:solidFill>
-            </a:endParaRPr>
           </a:p>
         </p:txBody>
       </p:sp>
@@ -38818,15 +39094,7 @@
                   <a:srgbClr val="000000"/>
                 </a:solidFill>
               </a:rPr>
-              <a:t> </a:t>
-            </a:r>
-            <a:r>
-              <a:rPr lang="en-US" sz="2000" kern="1200" dirty="0" smtClean="0">
-                <a:solidFill>
-                  <a:srgbClr val="000000"/>
-                </a:solidFill>
-              </a:rPr>
-              <a:t>: ChIP-seq </a:t>
+              <a:t> : ChIP-seq </a:t>
             </a:r>
             <a:r>
               <a:rPr lang="en-US" sz="2000" dirty="0">
@@ -38860,11 +39128,6 @@
               </a:rPr>
               <a:t>evelopment</a:t>
             </a:r>
-            <a:endParaRPr lang="en-US" sz="2000" kern="1200" dirty="0" smtClean="0">
-              <a:solidFill>
-                <a:srgbClr val="000000"/>
-              </a:solidFill>
-            </a:endParaRPr>
           </a:p>
         </p:txBody>
       </p:sp>
@@ -39073,39 +39336,7 @@
                   <a:srgbClr val="000000"/>
                 </a:solidFill>
               </a:rPr>
-              <a:t> </a:t>
-            </a:r>
-            <a:r>
-              <a:rPr lang="en-US" sz="2000" kern="1200" dirty="0" smtClean="0">
-                <a:solidFill>
-                  <a:srgbClr val="000000"/>
-                </a:solidFill>
-              </a:rPr>
-              <a:t>: </a:t>
-            </a:r>
-            <a:r>
-              <a:rPr lang="en-US" sz="2000" kern="1200" dirty="0" smtClean="0">
-                <a:solidFill>
-                  <a:srgbClr val="000000"/>
-                </a:solidFill>
-              </a:rPr>
-              <a:t>Host-pathogen Interaction using RNA</a:t>
-            </a:r>
-            <a:r>
-              <a:rPr lang="en-US" sz="2000" kern="1200" dirty="0" smtClean="0">
-                <a:solidFill>
-                  <a:srgbClr val="000000"/>
-                </a:solidFill>
-              </a:rPr>
-              <a:t>-Seq, </a:t>
-            </a:r>
-            <a:r>
-              <a:rPr lang="en-US" sz="2000" kern="1200" dirty="0" smtClean="0">
-                <a:solidFill>
-                  <a:srgbClr val="000000"/>
-                </a:solidFill>
-              </a:rPr>
-              <a:t>Integrative </a:t>
+              <a:t> : Host-pathogen Interaction using RNA-Seq, Integrative </a:t>
             </a:r>
             <a:r>
               <a:rPr lang="en-US" sz="2000" dirty="0" smtClean="0">
@@ -39113,15 +39344,7 @@
                   <a:srgbClr val="000000"/>
                 </a:solidFill>
               </a:rPr>
-              <a:t>Infrastructure for Drug Discovery targeting Quorum-Sensing </a:t>
-            </a:r>
-            <a:r>
-              <a:rPr lang="en-US" sz="2000" dirty="0" smtClean="0">
-                <a:solidFill>
-                  <a:srgbClr val="000000"/>
-                </a:solidFill>
-              </a:rPr>
-              <a:t>Mechanism</a:t>
+              <a:t>Infrastructure for Drug Discovery targeting Quorum-Sensing Mechanism</a:t>
             </a:r>
             <a:endParaRPr lang="en-US" sz="2000" kern="1200" dirty="0" smtClean="0">
               <a:solidFill>

--- a/papers/data-intensive-bio/Presentation/LBRN-EAC-2011.pptx
+++ b/papers/data-intensive-bio/Presentation/LBRN-EAC-2011.pptx
@@ -33973,442 +33973,7 @@
   <p:timing>
     <p:tnLst>
       <p:par>
-        <p:cTn xmlns:p14="http://schemas.microsoft.com/office/powerpoint/2010/main" id="1" dur="indefinite" restart="never" nodeType="tmRoot">
-          <p:childTnLst>
-            <p:seq concurrent="1" nextAc="seek">
-              <p:cTn id="2" dur="indefinite" nodeType="mainSeq">
-                <p:childTnLst>
-                  <p:par>
-                    <p:cTn id="3" fill="hold">
-                      <p:stCondLst>
-                        <p:cond delay="indefinite"/>
-                      </p:stCondLst>
-                      <p:childTnLst>
-                        <p:par>
-                          <p:cTn id="4" fill="hold">
-                            <p:stCondLst>
-                              <p:cond delay="0"/>
-                            </p:stCondLst>
-                            <p:childTnLst>
-                              <p:par>
-                                <p:cTn id="5" presetID="2" presetClass="entr" presetSubtype="4" fill="hold" nodeType="clickEffect">
-                                  <p:stCondLst>
-                                    <p:cond delay="0"/>
-                                  </p:stCondLst>
-                                  <p:childTnLst>
-                                    <p:set>
-                                      <p:cBhvr>
-                                        <p:cTn id="6" dur="1" fill="hold">
-                                          <p:stCondLst>
-                                            <p:cond delay="0"/>
-                                          </p:stCondLst>
-                                        </p:cTn>
-                                        <p:tgtEl>
-                                          <p:spTgt spid="3">
-                                            <p:txEl>
-                                              <p:pRg st="0" end="0"/>
-                                            </p:txEl>
-                                          </p:spTgt>
-                                        </p:tgtEl>
-                                        <p:attrNameLst>
-                                          <p:attrName>style.visibility</p:attrName>
-                                        </p:attrNameLst>
-                                      </p:cBhvr>
-                                      <p:to>
-                                        <p:strVal val="visible"/>
-                                      </p:to>
-                                    </p:set>
-                                    <p:anim calcmode="lin" valueType="num">
-                                      <p:cBhvr additive="base">
-                                        <p:cTn id="7" dur="500" fill="hold"/>
-                                        <p:tgtEl>
-                                          <p:spTgt spid="3">
-                                            <p:txEl>
-                                              <p:pRg st="0" end="0"/>
-                                            </p:txEl>
-                                          </p:spTgt>
-                                        </p:tgtEl>
-                                        <p:attrNameLst>
-                                          <p:attrName>ppt_x</p:attrName>
-                                        </p:attrNameLst>
-                                      </p:cBhvr>
-                                      <p:tavLst>
-                                        <p:tav tm="0">
-                                          <p:val>
-                                            <p:strVal val="#ppt_x"/>
-                                          </p:val>
-                                        </p:tav>
-                                        <p:tav tm="100000">
-                                          <p:val>
-                                            <p:strVal val="#ppt_x"/>
-                                          </p:val>
-                                        </p:tav>
-                                      </p:tavLst>
-                                    </p:anim>
-                                    <p:anim calcmode="lin" valueType="num">
-                                      <p:cBhvr additive="base">
-                                        <p:cTn id="8" dur="500" fill="hold"/>
-                                        <p:tgtEl>
-                                          <p:spTgt spid="3">
-                                            <p:txEl>
-                                              <p:pRg st="0" end="0"/>
-                                            </p:txEl>
-                                          </p:spTgt>
-                                        </p:tgtEl>
-                                        <p:attrNameLst>
-                                          <p:attrName>ppt_y</p:attrName>
-                                        </p:attrNameLst>
-                                      </p:cBhvr>
-                                      <p:tavLst>
-                                        <p:tav tm="0">
-                                          <p:val>
-                                            <p:strVal val="1+#ppt_h/2"/>
-                                          </p:val>
-                                        </p:tav>
-                                        <p:tav tm="100000">
-                                          <p:val>
-                                            <p:strVal val="#ppt_y"/>
-                                          </p:val>
-                                        </p:tav>
-                                      </p:tavLst>
-                                    </p:anim>
-                                  </p:childTnLst>
-                                </p:cTn>
-                              </p:par>
-                            </p:childTnLst>
-                          </p:cTn>
-                        </p:par>
-                      </p:childTnLst>
-                    </p:cTn>
-                  </p:par>
-                  <p:par>
-                    <p:cTn id="9" fill="hold">
-                      <p:stCondLst>
-                        <p:cond delay="indefinite"/>
-                      </p:stCondLst>
-                      <p:childTnLst>
-                        <p:par>
-                          <p:cTn id="10" fill="hold">
-                            <p:stCondLst>
-                              <p:cond delay="0"/>
-                            </p:stCondLst>
-                            <p:childTnLst>
-                              <p:par>
-                                <p:cTn id="11" presetID="2" presetClass="entr" presetSubtype="4" fill="hold" nodeType="clickEffect">
-                                  <p:stCondLst>
-                                    <p:cond delay="0"/>
-                                  </p:stCondLst>
-                                  <p:childTnLst>
-                                    <p:set>
-                                      <p:cBhvr>
-                                        <p:cTn id="12" dur="1" fill="hold">
-                                          <p:stCondLst>
-                                            <p:cond delay="0"/>
-                                          </p:stCondLst>
-                                        </p:cTn>
-                                        <p:tgtEl>
-                                          <p:spTgt spid="3">
-                                            <p:txEl>
-                                              <p:pRg st="1" end="1"/>
-                                            </p:txEl>
-                                          </p:spTgt>
-                                        </p:tgtEl>
-                                        <p:attrNameLst>
-                                          <p:attrName>style.visibility</p:attrName>
-                                        </p:attrNameLst>
-                                      </p:cBhvr>
-                                      <p:to>
-                                        <p:strVal val="visible"/>
-                                      </p:to>
-                                    </p:set>
-                                    <p:anim calcmode="lin" valueType="num">
-                                      <p:cBhvr additive="base">
-                                        <p:cTn id="13" dur="500" fill="hold"/>
-                                        <p:tgtEl>
-                                          <p:spTgt spid="3">
-                                            <p:txEl>
-                                              <p:pRg st="1" end="1"/>
-                                            </p:txEl>
-                                          </p:spTgt>
-                                        </p:tgtEl>
-                                        <p:attrNameLst>
-                                          <p:attrName>ppt_x</p:attrName>
-                                        </p:attrNameLst>
-                                      </p:cBhvr>
-                                      <p:tavLst>
-                                        <p:tav tm="0">
-                                          <p:val>
-                                            <p:strVal val="#ppt_x"/>
-                                          </p:val>
-                                        </p:tav>
-                                        <p:tav tm="100000">
-                                          <p:val>
-                                            <p:strVal val="#ppt_x"/>
-                                          </p:val>
-                                        </p:tav>
-                                      </p:tavLst>
-                                    </p:anim>
-                                    <p:anim calcmode="lin" valueType="num">
-                                      <p:cBhvr additive="base">
-                                        <p:cTn id="14" dur="500" fill="hold"/>
-                                        <p:tgtEl>
-                                          <p:spTgt spid="3">
-                                            <p:txEl>
-                                              <p:pRg st="1" end="1"/>
-                                            </p:txEl>
-                                          </p:spTgt>
-                                        </p:tgtEl>
-                                        <p:attrNameLst>
-                                          <p:attrName>ppt_y</p:attrName>
-                                        </p:attrNameLst>
-                                      </p:cBhvr>
-                                      <p:tavLst>
-                                        <p:tav tm="0">
-                                          <p:val>
-                                            <p:strVal val="1+#ppt_h/2"/>
-                                          </p:val>
-                                        </p:tav>
-                                        <p:tav tm="100000">
-                                          <p:val>
-                                            <p:strVal val="#ppt_y"/>
-                                          </p:val>
-                                        </p:tav>
-                                      </p:tavLst>
-                                    </p:anim>
-                                  </p:childTnLst>
-                                </p:cTn>
-                              </p:par>
-                            </p:childTnLst>
-                          </p:cTn>
-                        </p:par>
-                      </p:childTnLst>
-                    </p:cTn>
-                  </p:par>
-                  <p:par>
-                    <p:cTn id="15" fill="hold">
-                      <p:stCondLst>
-                        <p:cond delay="indefinite"/>
-                      </p:stCondLst>
-                      <p:childTnLst>
-                        <p:par>
-                          <p:cTn id="16" fill="hold">
-                            <p:stCondLst>
-                              <p:cond delay="0"/>
-                            </p:stCondLst>
-                            <p:childTnLst>
-                              <p:par>
-                                <p:cTn id="17" presetID="2" presetClass="entr" presetSubtype="4" fill="hold" nodeType="clickEffect">
-                                  <p:stCondLst>
-                                    <p:cond delay="0"/>
-                                  </p:stCondLst>
-                                  <p:childTnLst>
-                                    <p:set>
-                                      <p:cBhvr>
-                                        <p:cTn id="18" dur="1" fill="hold">
-                                          <p:stCondLst>
-                                            <p:cond delay="0"/>
-                                          </p:stCondLst>
-                                        </p:cTn>
-                                        <p:tgtEl>
-                                          <p:spTgt spid="3">
-                                            <p:txEl>
-                                              <p:pRg st="2" end="2"/>
-                                            </p:txEl>
-                                          </p:spTgt>
-                                        </p:tgtEl>
-                                        <p:attrNameLst>
-                                          <p:attrName>style.visibility</p:attrName>
-                                        </p:attrNameLst>
-                                      </p:cBhvr>
-                                      <p:to>
-                                        <p:strVal val="visible"/>
-                                      </p:to>
-                                    </p:set>
-                                    <p:anim calcmode="lin" valueType="num">
-                                      <p:cBhvr additive="base">
-                                        <p:cTn id="19" dur="500" fill="hold"/>
-                                        <p:tgtEl>
-                                          <p:spTgt spid="3">
-                                            <p:txEl>
-                                              <p:pRg st="2" end="2"/>
-                                            </p:txEl>
-                                          </p:spTgt>
-                                        </p:tgtEl>
-                                        <p:attrNameLst>
-                                          <p:attrName>ppt_x</p:attrName>
-                                        </p:attrNameLst>
-                                      </p:cBhvr>
-                                      <p:tavLst>
-                                        <p:tav tm="0">
-                                          <p:val>
-                                            <p:strVal val="#ppt_x"/>
-                                          </p:val>
-                                        </p:tav>
-                                        <p:tav tm="100000">
-                                          <p:val>
-                                            <p:strVal val="#ppt_x"/>
-                                          </p:val>
-                                        </p:tav>
-                                      </p:tavLst>
-                                    </p:anim>
-                                    <p:anim calcmode="lin" valueType="num">
-                                      <p:cBhvr additive="base">
-                                        <p:cTn id="20" dur="500" fill="hold"/>
-                                        <p:tgtEl>
-                                          <p:spTgt spid="3">
-                                            <p:txEl>
-                                              <p:pRg st="2" end="2"/>
-                                            </p:txEl>
-                                          </p:spTgt>
-                                        </p:tgtEl>
-                                        <p:attrNameLst>
-                                          <p:attrName>ppt_y</p:attrName>
-                                        </p:attrNameLst>
-                                      </p:cBhvr>
-                                      <p:tavLst>
-                                        <p:tav tm="0">
-                                          <p:val>
-                                            <p:strVal val="1+#ppt_h/2"/>
-                                          </p:val>
-                                        </p:tav>
-                                        <p:tav tm="100000">
-                                          <p:val>
-                                            <p:strVal val="#ppt_y"/>
-                                          </p:val>
-                                        </p:tav>
-                                      </p:tavLst>
-                                    </p:anim>
-                                  </p:childTnLst>
-                                </p:cTn>
-                              </p:par>
-                            </p:childTnLst>
-                          </p:cTn>
-                        </p:par>
-                      </p:childTnLst>
-                    </p:cTn>
-                  </p:par>
-                  <p:par>
-                    <p:cTn id="21" fill="hold">
-                      <p:stCondLst>
-                        <p:cond delay="indefinite"/>
-                      </p:stCondLst>
-                      <p:childTnLst>
-                        <p:par>
-                          <p:cTn id="22" fill="hold">
-                            <p:stCondLst>
-                              <p:cond delay="0"/>
-                            </p:stCondLst>
-                            <p:childTnLst>
-                              <p:par>
-                                <p:cTn id="23" presetID="2" presetClass="entr" presetSubtype="4" fill="hold" nodeType="clickEffect">
-                                  <p:stCondLst>
-                                    <p:cond delay="0"/>
-                                  </p:stCondLst>
-                                  <p:childTnLst>
-                                    <p:set>
-                                      <p:cBhvr>
-                                        <p:cTn id="24" dur="1" fill="hold">
-                                          <p:stCondLst>
-                                            <p:cond delay="0"/>
-                                          </p:stCondLst>
-                                        </p:cTn>
-                                        <p:tgtEl>
-                                          <p:spTgt spid="3">
-                                            <p:txEl>
-                                              <p:pRg st="3" end="3"/>
-                                            </p:txEl>
-                                          </p:spTgt>
-                                        </p:tgtEl>
-                                        <p:attrNameLst>
-                                          <p:attrName>style.visibility</p:attrName>
-                                        </p:attrNameLst>
-                                      </p:cBhvr>
-                                      <p:to>
-                                        <p:strVal val="visible"/>
-                                      </p:to>
-                                    </p:set>
-                                    <p:anim calcmode="lin" valueType="num">
-                                      <p:cBhvr additive="base">
-                                        <p:cTn id="25" dur="500" fill="hold"/>
-                                        <p:tgtEl>
-                                          <p:spTgt spid="3">
-                                            <p:txEl>
-                                              <p:pRg st="3" end="3"/>
-                                            </p:txEl>
-                                          </p:spTgt>
-                                        </p:tgtEl>
-                                        <p:attrNameLst>
-                                          <p:attrName>ppt_x</p:attrName>
-                                        </p:attrNameLst>
-                                      </p:cBhvr>
-                                      <p:tavLst>
-                                        <p:tav tm="0">
-                                          <p:val>
-                                            <p:strVal val="#ppt_x"/>
-                                          </p:val>
-                                        </p:tav>
-                                        <p:tav tm="100000">
-                                          <p:val>
-                                            <p:strVal val="#ppt_x"/>
-                                          </p:val>
-                                        </p:tav>
-                                      </p:tavLst>
-                                    </p:anim>
-                                    <p:anim calcmode="lin" valueType="num">
-                                      <p:cBhvr additive="base">
-                                        <p:cTn id="26" dur="500" fill="hold"/>
-                                        <p:tgtEl>
-                                          <p:spTgt spid="3">
-                                            <p:txEl>
-                                              <p:pRg st="3" end="3"/>
-                                            </p:txEl>
-                                          </p:spTgt>
-                                        </p:tgtEl>
-                                        <p:attrNameLst>
-                                          <p:attrName>ppt_y</p:attrName>
-                                        </p:attrNameLst>
-                                      </p:cBhvr>
-                                      <p:tavLst>
-                                        <p:tav tm="0">
-                                          <p:val>
-                                            <p:strVal val="1+#ppt_h/2"/>
-                                          </p:val>
-                                        </p:tav>
-                                        <p:tav tm="100000">
-                                          <p:val>
-                                            <p:strVal val="#ppt_y"/>
-                                          </p:val>
-                                        </p:tav>
-                                      </p:tavLst>
-                                    </p:anim>
-                                  </p:childTnLst>
-                                </p:cTn>
-                              </p:par>
-                            </p:childTnLst>
-                          </p:cTn>
-                        </p:par>
-                      </p:childTnLst>
-                    </p:cTn>
-                  </p:par>
-                </p:childTnLst>
-              </p:cTn>
-              <p:prevCondLst>
-                <p:cond evt="onPrev" delay="0">
-                  <p:tgtEl>
-                    <p:sldTgt/>
-                  </p:tgtEl>
-                </p:cond>
-              </p:prevCondLst>
-              <p:nextCondLst>
-                <p:cond evt="onNext" delay="0">
-                  <p:tgtEl>
-                    <p:sldTgt/>
-                  </p:tgtEl>
-                </p:cond>
-              </p:nextCondLst>
-            </p:seq>
-          </p:childTnLst>
-        </p:cTn>
+        <p:cTn xmlns:p14="http://schemas.microsoft.com/office/powerpoint/2010/main" id="1" dur="indefinite" restart="never" nodeType="tmRoot"/>
       </p:par>
     </p:tnLst>
   </p:timing>
@@ -35270,7 +34835,7 @@
         </p:blipFill>
         <p:spPr>
           <a:xfrm>
-            <a:off x="3909553" y="4270896"/>
+            <a:off x="3724361" y="4217976"/>
             <a:ext cx="1480128" cy="1119510"/>
           </a:xfrm>
           <a:prstGeom prst="rect">
@@ -35496,9 +35061,9 @@
           <p:nvPr/>
         </p:nvCxnSpPr>
         <p:spPr>
-          <a:xfrm flipV="1">
-            <a:off x="5729305" y="3878200"/>
-            <a:ext cx="472521" cy="581808"/>
+          <a:xfrm>
+            <a:off x="2966714" y="3130856"/>
+            <a:ext cx="1189049" cy="0"/>
           </a:xfrm>
           <a:prstGeom prst="straightConnector1">
             <a:avLst/>
@@ -35709,6 +35274,52 @@
           </a:p>
         </p:txBody>
       </p:sp>
+      <p:cxnSp>
+        <p:nvCxnSpPr>
+          <p:cNvPr id="16" name="Straight Arrow Connector 15"/>
+          <p:cNvCxnSpPr/>
+          <p:nvPr/>
+        </p:nvCxnSpPr>
+        <p:spPr>
+          <a:xfrm flipV="1">
+            <a:off x="5317740" y="3878199"/>
+            <a:ext cx="939203" cy="581809"/>
+          </a:xfrm>
+          <a:prstGeom prst="straightConnector1">
+            <a:avLst/>
+          </a:prstGeom>
+          <a:ln w="76200" cmpd="sng">
+            <a:solidFill>
+              <a:srgbClr val="800000"/>
+            </a:solidFill>
+            <a:prstDash val="sysDash"/>
+            <a:headEnd type="triangle"/>
+            <a:tailEnd type="none"/>
+          </a:ln>
+          <a:effectLst>
+            <a:glow rad="228600">
+              <a:schemeClr val="accent2">
+                <a:satMod val="175000"/>
+                <a:alpha val="40000"/>
+              </a:schemeClr>
+            </a:glow>
+          </a:effectLst>
+        </p:spPr>
+        <p:style>
+          <a:lnRef idx="2">
+            <a:schemeClr val="accent1"/>
+          </a:lnRef>
+          <a:fillRef idx="0">
+            <a:schemeClr val="accent1"/>
+          </a:fillRef>
+          <a:effectRef idx="1">
+            <a:schemeClr val="accent1"/>
+          </a:effectRef>
+          <a:fontRef idx="minor">
+            <a:schemeClr val="tx1"/>
+          </a:fontRef>
+        </p:style>
+      </p:cxnSp>
     </p:spTree>
     <p:extLst>
       <p:ext uri="{BB962C8B-B14F-4D97-AF65-F5344CB8AC3E}">

--- a/papers/data-intensive-bio/Presentation/LBRN-EAC-2011.pptx
+++ b/papers/data-intensive-bio/Presentation/LBRN-EAC-2011.pptx
@@ -19,7 +19,7 @@
     <p:sldMasterId id="2147483741" r:id="rId15"/>
   </p:sldMasterIdLst>
   <p:notesMasterIdLst>
-    <p:notesMasterId r:id="rId29"/>
+    <p:notesMasterId r:id="rId30"/>
   </p:notesMasterIdLst>
   <p:sldIdLst>
     <p:sldId id="293" r:id="rId16"/>
@@ -34,7 +34,8 @@
     <p:sldId id="303" r:id="rId25"/>
     <p:sldId id="314" r:id="rId26"/>
     <p:sldId id="312" r:id="rId27"/>
-    <p:sldId id="282" r:id="rId28"/>
+    <p:sldId id="315" r:id="rId28"/>
+    <p:sldId id="282" r:id="rId29"/>
   </p:sldIdLst>
   <p:sldSz cx="9144000" cy="6858000" type="screen4x3"/>
   <p:notesSz cx="6858000" cy="9144000"/>
@@ -219,7 +220,7 @@
             <a:fld id="{F7B5EB79-89E8-A94B-AC1A-54DCF624E5B2}" type="datetimeFigureOut">
               <a:rPr lang="en-US" smtClean="0"/>
               <a:pPr/>
-              <a:t>10/20/11</a:t>
+              <a:t>10/21/11</a:t>
             </a:fld>
             <a:endParaRPr lang="en-US" dirty="0"/>
           </a:p>
@@ -1209,7 +1210,7 @@
             <a:fld id="{9CA5C856-D373-2E49-9257-F90004C68B8A}" type="datetimeFigureOut">
               <a:rPr lang="en-US" smtClean="0"/>
               <a:pPr/>
-              <a:t>10/20/11</a:t>
+              <a:t>10/21/11</a:t>
             </a:fld>
             <a:endParaRPr lang="en-US" dirty="0"/>
           </a:p>
@@ -1289,7 +1290,7 @@
             <a:fld id="{9CA5C856-D373-2E49-9257-F90004C68B8A}" type="datetimeFigureOut">
               <a:rPr lang="en-US" smtClean="0"/>
               <a:pPr/>
-              <a:t>10/20/11</a:t>
+              <a:t>10/21/11</a:t>
             </a:fld>
             <a:endParaRPr lang="en-US" dirty="0"/>
           </a:p>
@@ -1628,7 +1629,7 @@
             <a:fld id="{9CA5C856-D373-2E49-9257-F90004C68B8A}" type="datetimeFigureOut">
               <a:rPr lang="en-US" smtClean="0"/>
               <a:pPr/>
-              <a:t>10/20/11</a:t>
+              <a:t>10/21/11</a:t>
             </a:fld>
             <a:endParaRPr lang="en-US" dirty="0"/>
           </a:p>
@@ -1951,7 +1952,7 @@
             <a:fld id="{9CA5C856-D373-2E49-9257-F90004C68B8A}" type="datetimeFigureOut">
               <a:rPr lang="en-US" smtClean="0"/>
               <a:pPr/>
-              <a:t>10/20/11</a:t>
+              <a:t>10/21/11</a:t>
             </a:fld>
             <a:endParaRPr lang="en-US" dirty="0"/>
           </a:p>
@@ -2227,7 +2228,7 @@
             <a:fld id="{9CA5C856-D373-2E49-9257-F90004C68B8A}" type="datetimeFigureOut">
               <a:rPr lang="en-US" smtClean="0"/>
               <a:pPr/>
-              <a:t>10/20/11</a:t>
+              <a:t>10/21/11</a:t>
             </a:fld>
             <a:endParaRPr lang="en-US" dirty="0"/>
           </a:p>
@@ -2519,7 +2520,7 @@
             <a:fld id="{9CA5C856-D373-2E49-9257-F90004C68B8A}" type="datetimeFigureOut">
               <a:rPr lang="en-US" smtClean="0"/>
               <a:pPr/>
-              <a:t>10/20/11</a:t>
+              <a:t>10/21/11</a:t>
             </a:fld>
             <a:endParaRPr lang="en-US" dirty="0"/>
           </a:p>
@@ -2846,7 +2847,7 @@
             <a:fld id="{9CA5C856-D373-2E49-9257-F90004C68B8A}" type="datetimeFigureOut">
               <a:rPr lang="en-US" smtClean="0"/>
               <a:pPr/>
-              <a:t>10/20/11</a:t>
+              <a:t>10/21/11</a:t>
             </a:fld>
             <a:endParaRPr lang="en-US" dirty="0"/>
           </a:p>
@@ -3094,7 +3095,7 @@
             <a:fld id="{9CA5C856-D373-2E49-9257-F90004C68B8A}" type="datetimeFigureOut">
               <a:rPr lang="en-US" smtClean="0"/>
               <a:pPr/>
-              <a:t>10/20/11</a:t>
+              <a:t>10/21/11</a:t>
             </a:fld>
             <a:endParaRPr lang="en-US" dirty="0"/>
           </a:p>
@@ -3271,7 +3272,7 @@
             <a:fld id="{9CA5C856-D373-2E49-9257-F90004C68B8A}" type="datetimeFigureOut">
               <a:rPr lang="en-US" smtClean="0"/>
               <a:pPr/>
-              <a:t>10/20/11</a:t>
+              <a:t>10/21/11</a:t>
             </a:fld>
             <a:endParaRPr lang="en-US" dirty="0"/>
           </a:p>
@@ -3510,7 +3511,7 @@
             <a:fld id="{9CA5C856-D373-2E49-9257-F90004C68B8A}" type="datetimeFigureOut">
               <a:rPr lang="en-US" smtClean="0"/>
               <a:pPr/>
-              <a:t>10/20/11</a:t>
+              <a:t>10/21/11</a:t>
             </a:fld>
             <a:endParaRPr lang="en-US" dirty="0"/>
           </a:p>
@@ -3842,7 +3843,7 @@
             <a:fld id="{9CA5C856-D373-2E49-9257-F90004C68B8A}" type="datetimeFigureOut">
               <a:rPr lang="en-US" smtClean="0"/>
               <a:pPr/>
-              <a:t>10/20/11</a:t>
+              <a:t>10/21/11</a:t>
             </a:fld>
             <a:endParaRPr lang="en-US" dirty="0"/>
           </a:p>
@@ -4050,7 +4051,7 @@
             <a:fld id="{4C4AD4EB-88D0-C141-9474-CCD86A78CB94}" type="datetimeFigureOut">
               <a:rPr lang="en-US" smtClean="0"/>
               <a:pPr/>
-              <a:t>10/20/11</a:t>
+              <a:t>10/21/11</a:t>
             </a:fld>
             <a:endParaRPr lang="en-US" dirty="0"/>
           </a:p>
@@ -4220,7 +4221,7 @@
             <a:fld id="{9CA5C856-D373-2E49-9257-F90004C68B8A}" type="datetimeFigureOut">
               <a:rPr lang="en-US" smtClean="0"/>
               <a:pPr/>
-              <a:t>10/20/11</a:t>
+              <a:t>10/21/11</a:t>
             </a:fld>
             <a:endParaRPr lang="en-US" dirty="0"/>
           </a:p>
@@ -4305,7 +4306,7 @@
             <a:fld id="{4C4AD4EB-88D0-C141-9474-CCD86A78CB94}" type="datetimeFigureOut">
               <a:rPr lang="en-US" smtClean="0"/>
               <a:pPr/>
-              <a:t>10/20/11</a:t>
+              <a:t>10/21/11</a:t>
             </a:fld>
             <a:endParaRPr lang="en-US" dirty="0"/>
           </a:p>
@@ -4397,7 +4398,7 @@
             <a:fld id="{4C4AD4EB-88D0-C141-9474-CCD86A78CB94}" type="datetimeFigureOut">
               <a:rPr lang="en-US" smtClean="0"/>
               <a:pPr/>
-              <a:t>10/20/11</a:t>
+              <a:t>10/21/11</a:t>
             </a:fld>
             <a:endParaRPr lang="en-US" dirty="0"/>
           </a:p>
@@ -4512,7 +4513,7 @@
             <a:fld id="{95DEFDAE-5BDC-1B4F-BC4C-23C867CEBC21}" type="datetime1">
               <a:rPr lang="en-US" smtClean="0"/>
               <a:pPr/>
-              <a:t>10/20/11</a:t>
+              <a:t>10/21/11</a:t>
             </a:fld>
             <a:endParaRPr lang="en-US" dirty="0"/>
           </a:p>
@@ -4806,7 +4807,7 @@
             <a:fld id="{4C4AD4EB-88D0-C141-9474-CCD86A78CB94}" type="datetimeFigureOut">
               <a:rPr lang="en-US" smtClean="0"/>
               <a:pPr/>
-              <a:t>10/20/11</a:t>
+              <a:t>10/21/11</a:t>
             </a:fld>
             <a:endParaRPr lang="en-US" dirty="0"/>
           </a:p>
@@ -5018,7 +5019,7 @@
             <a:fld id="{ADB8239A-D789-5443-937F-338E3AE3D41C}" type="datetime1">
               <a:rPr lang="en-US" smtClean="0"/>
               <a:pPr/>
-              <a:t>10/20/11</a:t>
+              <a:t>10/21/11</a:t>
             </a:fld>
             <a:endParaRPr lang="en-US" dirty="0"/>
           </a:p>
@@ -5223,7 +5224,7 @@
               <a:pPr>
                 <a:defRPr/>
               </a:pPr>
-              <a:t>10/20/11</a:t>
+              <a:t>10/21/11</a:t>
             </a:fld>
             <a:endParaRPr lang="en-US" dirty="0"/>
           </a:p>
@@ -5451,7 +5452,7 @@
             <a:fld id="{9CA5C856-D373-2E49-9257-F90004C68B8A}" type="datetimeFigureOut">
               <a:rPr lang="en-US" smtClean="0"/>
               <a:pPr/>
-              <a:t>10/20/11</a:t>
+              <a:t>10/21/11</a:t>
             </a:fld>
             <a:endParaRPr lang="en-US" dirty="0"/>
           </a:p>
@@ -5684,7 +5685,7 @@
             <a:fld id="{9CA5C856-D373-2E49-9257-F90004C68B8A}" type="datetimeFigureOut">
               <a:rPr lang="en-US" smtClean="0"/>
               <a:pPr/>
-              <a:t>10/20/11</a:t>
+              <a:t>10/21/11</a:t>
             </a:fld>
             <a:endParaRPr lang="en-US" dirty="0"/>
           </a:p>
@@ -5941,7 +5942,7 @@
             <a:fld id="{9CA5C856-D373-2E49-9257-F90004C68B8A}" type="datetimeFigureOut">
               <a:rPr lang="en-US" smtClean="0"/>
               <a:pPr/>
-              <a:t>10/20/11</a:t>
+              <a:t>10/21/11</a:t>
             </a:fld>
             <a:endParaRPr lang="en-US" dirty="0"/>
           </a:p>
@@ -6217,7 +6218,7 @@
             <a:fld id="{9CA5C856-D373-2E49-9257-F90004C68B8A}" type="datetimeFigureOut">
               <a:rPr lang="en-US" smtClean="0"/>
               <a:pPr/>
-              <a:t>10/20/11</a:t>
+              <a:t>10/21/11</a:t>
             </a:fld>
             <a:endParaRPr lang="en-US" dirty="0"/>
           </a:p>
@@ -6525,7 +6526,7 @@
             <a:fld id="{9CA5C856-D373-2E49-9257-F90004C68B8A}" type="datetimeFigureOut">
               <a:rPr lang="en-US" smtClean="0"/>
               <a:pPr/>
-              <a:t>10/20/11</a:t>
+              <a:t>10/21/11</a:t>
             </a:fld>
             <a:endParaRPr lang="en-US" dirty="0"/>
           </a:p>
@@ -6819,7 +6820,7 @@
             <a:fld id="{9CA5C856-D373-2E49-9257-F90004C68B8A}" type="datetimeFigureOut">
               <a:rPr lang="en-US" smtClean="0"/>
               <a:pPr/>
-              <a:t>10/20/11</a:t>
+              <a:t>10/21/11</a:t>
             </a:fld>
             <a:endParaRPr lang="en-US" dirty="0"/>
           </a:p>
@@ -7251,7 +7252,7 @@
             <a:fld id="{9CA5C856-D373-2E49-9257-F90004C68B8A}" type="datetimeFigureOut">
               <a:rPr lang="en-US" smtClean="0"/>
               <a:pPr/>
-              <a:t>10/20/11</a:t>
+              <a:t>10/21/11</a:t>
             </a:fld>
             <a:endParaRPr lang="en-US" dirty="0"/>
           </a:p>
@@ -7599,7 +7600,7 @@
             <a:fld id="{9CA5C856-D373-2E49-9257-F90004C68B8A}" type="datetimeFigureOut">
               <a:rPr lang="en-US" smtClean="0"/>
               <a:pPr/>
-              <a:t>10/20/11</a:t>
+              <a:t>10/21/11</a:t>
             </a:fld>
             <a:endParaRPr lang="en-US" dirty="0"/>
           </a:p>
@@ -7691,7 +7692,7 @@
             <a:fld id="{9CA5C856-D373-2E49-9257-F90004C68B8A}" type="datetimeFigureOut">
               <a:rPr lang="en-US" smtClean="0"/>
               <a:pPr/>
-              <a:t>10/20/11</a:t>
+              <a:t>10/21/11</a:t>
             </a:fld>
             <a:endParaRPr lang="en-US" dirty="0"/>
           </a:p>
@@ -8030,7 +8031,7 @@
             <a:fld id="{9CA5C856-D373-2E49-9257-F90004C68B8A}" type="datetimeFigureOut">
               <a:rPr lang="en-US" smtClean="0"/>
               <a:pPr/>
-              <a:t>10/20/11</a:t>
+              <a:t>10/21/11</a:t>
             </a:fld>
             <a:endParaRPr lang="en-US" dirty="0"/>
           </a:p>
@@ -8353,7 +8354,7 @@
             <a:fld id="{9CA5C856-D373-2E49-9257-F90004C68B8A}" type="datetimeFigureOut">
               <a:rPr lang="en-US" smtClean="0"/>
               <a:pPr/>
-              <a:t>10/20/11</a:t>
+              <a:t>10/21/11</a:t>
             </a:fld>
             <a:endParaRPr lang="en-US" dirty="0"/>
           </a:p>
@@ -8629,7 +8630,7 @@
             <a:fld id="{9CA5C856-D373-2E49-9257-F90004C68B8A}" type="datetimeFigureOut">
               <a:rPr lang="en-US" smtClean="0"/>
               <a:pPr/>
-              <a:t>10/20/11</a:t>
+              <a:t>10/21/11</a:t>
             </a:fld>
             <a:endParaRPr lang="en-US" dirty="0"/>
           </a:p>
@@ -8921,7 +8922,7 @@
             <a:fld id="{9CA5C856-D373-2E49-9257-F90004C68B8A}" type="datetimeFigureOut">
               <a:rPr lang="en-US" smtClean="0"/>
               <a:pPr/>
-              <a:t>10/20/11</a:t>
+              <a:t>10/21/11</a:t>
             </a:fld>
             <a:endParaRPr lang="en-US" dirty="0"/>
           </a:p>
@@ -9195,7 +9196,7 @@
             <a:fld id="{9CA5C856-D373-2E49-9257-F90004C68B8A}" type="datetimeFigureOut">
               <a:rPr lang="en-US" smtClean="0"/>
               <a:pPr/>
-              <a:t>10/20/11</a:t>
+              <a:t>10/21/11</a:t>
             </a:fld>
             <a:endParaRPr lang="en-US" dirty="0"/>
           </a:p>
@@ -9520,7 +9521,7 @@
             <a:fld id="{9CA5C856-D373-2E49-9257-F90004C68B8A}" type="datetimeFigureOut">
               <a:rPr lang="en-US" smtClean="0"/>
               <a:pPr/>
-              <a:t>10/20/11</a:t>
+              <a:t>10/21/11</a:t>
             </a:fld>
             <a:endParaRPr lang="en-US" dirty="0"/>
           </a:p>
@@ -9768,7 +9769,7 @@
             <a:fld id="{9CA5C856-D373-2E49-9257-F90004C68B8A}" type="datetimeFigureOut">
               <a:rPr lang="en-US" smtClean="0"/>
               <a:pPr/>
-              <a:t>10/20/11</a:t>
+              <a:t>10/21/11</a:t>
             </a:fld>
             <a:endParaRPr lang="en-US" dirty="0"/>
           </a:p>
@@ -9945,7 +9946,7 @@
             <a:fld id="{9CA5C856-D373-2E49-9257-F90004C68B8A}" type="datetimeFigureOut">
               <a:rPr lang="en-US" smtClean="0"/>
               <a:pPr/>
-              <a:t>10/20/11</a:t>
+              <a:t>10/21/11</a:t>
             </a:fld>
             <a:endParaRPr lang="en-US" dirty="0"/>
           </a:p>
@@ -10184,7 +10185,7 @@
             <a:fld id="{9CA5C856-D373-2E49-9257-F90004C68B8A}" type="datetimeFigureOut">
               <a:rPr lang="en-US" smtClean="0"/>
               <a:pPr/>
-              <a:t>10/20/11</a:t>
+              <a:t>10/21/11</a:t>
             </a:fld>
             <a:endParaRPr lang="en-US" dirty="0"/>
           </a:p>
@@ -10327,7 +10328,7 @@
             <a:fld id="{9CA5C856-D373-2E49-9257-F90004C68B8A}" type="datetimeFigureOut">
               <a:rPr lang="en-US" smtClean="0"/>
               <a:pPr/>
-              <a:t>10/20/11</a:t>
+              <a:t>10/21/11</a:t>
             </a:fld>
             <a:endParaRPr lang="en-US" dirty="0"/>
           </a:p>
@@ -10660,7 +10661,7 @@
             <a:fld id="{4C4AD4EB-88D0-C141-9474-CCD86A78CB94}" type="datetimeFigureOut">
               <a:rPr lang="en-US" smtClean="0"/>
               <a:pPr/>
-              <a:t>10/20/11</a:t>
+              <a:t>10/21/11</a:t>
             </a:fld>
             <a:endParaRPr lang="en-US" dirty="0"/>
           </a:p>
@@ -10784,7 +10785,7 @@
             <a:fld id="{4C4AD4EB-88D0-C141-9474-CCD86A78CB94}" type="datetimeFigureOut">
               <a:rPr lang="en-US" smtClean="0"/>
               <a:pPr/>
-              <a:t>10/20/11</a:t>
+              <a:t>10/21/11</a:t>
             </a:fld>
             <a:endParaRPr lang="en-US" dirty="0"/>
           </a:p>
@@ -10876,7 +10877,7 @@
             <a:fld id="{4C4AD4EB-88D0-C141-9474-CCD86A78CB94}" type="datetimeFigureOut">
               <a:rPr lang="en-US" smtClean="0"/>
               <a:pPr/>
-              <a:t>10/20/11</a:t>
+              <a:t>10/21/11</a:t>
             </a:fld>
             <a:endParaRPr lang="en-US" dirty="0"/>
           </a:p>
@@ -10991,7 +10992,7 @@
             <a:fld id="{95DEFDAE-5BDC-1B4F-BC4C-23C867CEBC21}" type="datetime1">
               <a:rPr lang="en-US" smtClean="0"/>
               <a:pPr/>
-              <a:t>10/20/11</a:t>
+              <a:t>10/21/11</a:t>
             </a:fld>
             <a:endParaRPr lang="en-US" dirty="0"/>
           </a:p>
@@ -11262,7 +11263,7 @@
             <a:fld id="{9CA5C856-D373-2E49-9257-F90004C68B8A}" type="datetimeFigureOut">
               <a:rPr lang="en-US" smtClean="0"/>
               <a:pPr/>
-              <a:t>10/20/11</a:t>
+              <a:t>10/21/11</a:t>
             </a:fld>
             <a:endParaRPr lang="en-US" dirty="0"/>
           </a:p>
@@ -11567,7 +11568,7 @@
             <a:fld id="{4C4AD4EB-88D0-C141-9474-CCD86A78CB94}" type="datetimeFigureOut">
               <a:rPr lang="en-US" smtClean="0"/>
               <a:pPr/>
-              <a:t>10/20/11</a:t>
+              <a:t>10/21/11</a:t>
             </a:fld>
             <a:endParaRPr lang="en-US" dirty="0"/>
           </a:p>
@@ -11779,7 +11780,7 @@
             <a:fld id="{ADB8239A-D789-5443-937F-338E3AE3D41C}" type="datetime1">
               <a:rPr lang="en-US" smtClean="0"/>
               <a:pPr/>
-              <a:t>10/20/11</a:t>
+              <a:t>10/21/11</a:t>
             </a:fld>
             <a:endParaRPr lang="en-US" dirty="0"/>
           </a:p>
@@ -11984,7 +11985,7 @@
               <a:pPr>
                 <a:defRPr/>
               </a:pPr>
-              <a:t>10/20/11</a:t>
+              <a:t>10/21/11</a:t>
             </a:fld>
             <a:endParaRPr lang="en-US" dirty="0"/>
           </a:p>
@@ -12212,7 +12213,7 @@
             <a:fld id="{9CA5C856-D373-2E49-9257-F90004C68B8A}" type="datetimeFigureOut">
               <a:rPr lang="en-US" smtClean="0"/>
               <a:pPr/>
-              <a:t>10/20/11</a:t>
+              <a:t>10/21/11</a:t>
             </a:fld>
             <a:endParaRPr lang="en-US" dirty="0"/>
           </a:p>
@@ -12445,7 +12446,7 @@
             <a:fld id="{9CA5C856-D373-2E49-9257-F90004C68B8A}" type="datetimeFigureOut">
               <a:rPr lang="en-US" smtClean="0"/>
               <a:pPr/>
-              <a:t>10/20/11</a:t>
+              <a:t>10/21/11</a:t>
             </a:fld>
             <a:endParaRPr lang="en-US" dirty="0"/>
           </a:p>
@@ -12721,7 +12722,7 @@
             <a:fld id="{9CA5C856-D373-2E49-9257-F90004C68B8A}" type="datetimeFigureOut">
               <a:rPr lang="en-US" smtClean="0"/>
               <a:pPr/>
-              <a:t>10/20/11</a:t>
+              <a:t>10/21/11</a:t>
             </a:fld>
             <a:endParaRPr lang="en-US" dirty="0"/>
           </a:p>
@@ -13029,7 +13030,7 @@
             <a:fld id="{9CA5C856-D373-2E49-9257-F90004C68B8A}" type="datetimeFigureOut">
               <a:rPr lang="en-US" smtClean="0"/>
               <a:pPr/>
-              <a:t>10/20/11</a:t>
+              <a:t>10/21/11</a:t>
             </a:fld>
             <a:endParaRPr lang="en-US" dirty="0"/>
           </a:p>
@@ -13323,7 +13324,7 @@
             <a:fld id="{9CA5C856-D373-2E49-9257-F90004C68B8A}" type="datetimeFigureOut">
               <a:rPr lang="en-US" smtClean="0"/>
               <a:pPr/>
-              <a:t>10/20/11</a:t>
+              <a:t>10/21/11</a:t>
             </a:fld>
             <a:endParaRPr lang="en-US" dirty="0"/>
           </a:p>
@@ -13755,7 +13756,7 @@
             <a:fld id="{9CA5C856-D373-2E49-9257-F90004C68B8A}" type="datetimeFigureOut">
               <a:rPr lang="en-US" smtClean="0"/>
               <a:pPr/>
-              <a:t>10/20/11</a:t>
+              <a:t>10/21/11</a:t>
             </a:fld>
             <a:endParaRPr lang="en-US" dirty="0"/>
           </a:p>
@@ -14103,7 +14104,7 @@
             <a:fld id="{9CA5C856-D373-2E49-9257-F90004C68B8A}" type="datetimeFigureOut">
               <a:rPr lang="en-US" smtClean="0"/>
               <a:pPr/>
-              <a:t>10/20/11</a:t>
+              <a:t>10/21/11</a:t>
             </a:fld>
             <a:endParaRPr lang="en-US" dirty="0"/>
           </a:p>
@@ -14400,7 +14401,7 @@
             <a:fld id="{9CA5C856-D373-2E49-9257-F90004C68B8A}" type="datetimeFigureOut">
               <a:rPr lang="en-US" smtClean="0"/>
               <a:pPr/>
-              <a:t>10/20/11</a:t>
+              <a:t>10/21/11</a:t>
             </a:fld>
             <a:endParaRPr lang="en-US" dirty="0"/>
           </a:p>
@@ -14492,7 +14493,7 @@
             <a:fld id="{9CA5C856-D373-2E49-9257-F90004C68B8A}" type="datetimeFigureOut">
               <a:rPr lang="en-US" smtClean="0"/>
               <a:pPr/>
-              <a:t>10/20/11</a:t>
+              <a:t>10/21/11</a:t>
             </a:fld>
             <a:endParaRPr lang="en-US" dirty="0"/>
           </a:p>
@@ -14831,7 +14832,7 @@
             <a:fld id="{9CA5C856-D373-2E49-9257-F90004C68B8A}" type="datetimeFigureOut">
               <a:rPr lang="en-US" smtClean="0"/>
               <a:pPr/>
-              <a:t>10/20/11</a:t>
+              <a:t>10/21/11</a:t>
             </a:fld>
             <a:endParaRPr lang="en-US" dirty="0"/>
           </a:p>
@@ -15154,7 +15155,7 @@
             <a:fld id="{9CA5C856-D373-2E49-9257-F90004C68B8A}" type="datetimeFigureOut">
               <a:rPr lang="en-US" smtClean="0"/>
               <a:pPr/>
-              <a:t>10/20/11</a:t>
+              <a:t>10/21/11</a:t>
             </a:fld>
             <a:endParaRPr lang="en-US" dirty="0"/>
           </a:p>
@@ -15430,7 +15431,7 @@
             <a:fld id="{9CA5C856-D373-2E49-9257-F90004C68B8A}" type="datetimeFigureOut">
               <a:rPr lang="en-US" smtClean="0"/>
               <a:pPr/>
-              <a:t>10/20/11</a:t>
+              <a:t>10/21/11</a:t>
             </a:fld>
             <a:endParaRPr lang="en-US" dirty="0"/>
           </a:p>
@@ -15722,7 +15723,7 @@
             <a:fld id="{9CA5C856-D373-2E49-9257-F90004C68B8A}" type="datetimeFigureOut">
               <a:rPr lang="en-US" smtClean="0"/>
               <a:pPr/>
-              <a:t>10/20/11</a:t>
+              <a:t>10/21/11</a:t>
             </a:fld>
             <a:endParaRPr lang="en-US" dirty="0"/>
           </a:p>
@@ -16049,7 +16050,7 @@
             <a:fld id="{9CA5C856-D373-2E49-9257-F90004C68B8A}" type="datetimeFigureOut">
               <a:rPr lang="en-US" smtClean="0"/>
               <a:pPr/>
-              <a:t>10/20/11</a:t>
+              <a:t>10/21/11</a:t>
             </a:fld>
             <a:endParaRPr lang="en-US" dirty="0"/>
           </a:p>
@@ -16297,7 +16298,7 @@
             <a:fld id="{9CA5C856-D373-2E49-9257-F90004C68B8A}" type="datetimeFigureOut">
               <a:rPr lang="en-US" smtClean="0"/>
               <a:pPr/>
-              <a:t>10/20/11</a:t>
+              <a:t>10/21/11</a:t>
             </a:fld>
             <a:endParaRPr lang="en-US" dirty="0"/>
           </a:p>
@@ -16474,7 +16475,7 @@
             <a:fld id="{9CA5C856-D373-2E49-9257-F90004C68B8A}" type="datetimeFigureOut">
               <a:rPr lang="en-US" smtClean="0"/>
               <a:pPr/>
-              <a:t>10/20/11</a:t>
+              <a:t>10/21/11</a:t>
             </a:fld>
             <a:endParaRPr lang="en-US" dirty="0"/>
           </a:p>
@@ -16814,7 +16815,7 @@
             <a:fld id="{4C4AD4EB-88D0-C141-9474-CCD86A78CB94}" type="datetimeFigureOut">
               <a:rPr lang="en-US" smtClean="0"/>
               <a:pPr/>
-              <a:t>10/20/11</a:t>
+              <a:t>10/21/11</a:t>
             </a:fld>
             <a:endParaRPr lang="en-US" dirty="0"/>
           </a:p>
@@ -17140,7 +17141,7 @@
             <a:fld id="{9CA5C856-D373-2E49-9257-F90004C68B8A}" type="datetimeFigureOut">
               <a:rPr lang="en-US" smtClean="0"/>
               <a:pPr/>
-              <a:t>10/20/11</a:t>
+              <a:t>10/21/11</a:t>
             </a:fld>
             <a:endParaRPr lang="en-US" dirty="0"/>
           </a:p>
@@ -17232,7 +17233,7 @@
             <a:fld id="{4C4AD4EB-88D0-C141-9474-CCD86A78CB94}" type="datetimeFigureOut">
               <a:rPr lang="en-US" smtClean="0"/>
               <a:pPr/>
-              <a:t>10/20/11</a:t>
+              <a:t>10/21/11</a:t>
             </a:fld>
             <a:endParaRPr lang="en-US" dirty="0"/>
           </a:p>
@@ -17324,7 +17325,7 @@
             <a:fld id="{4C4AD4EB-88D0-C141-9474-CCD86A78CB94}" type="datetimeFigureOut">
               <a:rPr lang="en-US" smtClean="0"/>
               <a:pPr/>
-              <a:t>10/20/11</a:t>
+              <a:t>10/21/11</a:t>
             </a:fld>
             <a:endParaRPr lang="en-US" dirty="0"/>
           </a:p>
@@ -17439,7 +17440,7 @@
             <a:fld id="{95DEFDAE-5BDC-1B4F-BC4C-23C867CEBC21}" type="datetime1">
               <a:rPr lang="en-US" smtClean="0"/>
               <a:pPr/>
-              <a:t>10/20/11</a:t>
+              <a:t>10/21/11</a:t>
             </a:fld>
             <a:endParaRPr lang="en-US" dirty="0"/>
           </a:p>
@@ -17733,7 +17734,7 @@
             <a:fld id="{4C4AD4EB-88D0-C141-9474-CCD86A78CB94}" type="datetimeFigureOut">
               <a:rPr lang="en-US" smtClean="0"/>
               <a:pPr/>
-              <a:t>10/20/11</a:t>
+              <a:t>10/21/11</a:t>
             </a:fld>
             <a:endParaRPr lang="en-US" dirty="0"/>
           </a:p>
@@ -17945,7 +17946,7 @@
             <a:fld id="{ADB8239A-D789-5443-937F-338E3AE3D41C}" type="datetime1">
               <a:rPr lang="en-US" smtClean="0"/>
               <a:pPr/>
-              <a:t>10/20/11</a:t>
+              <a:t>10/21/11</a:t>
             </a:fld>
             <a:endParaRPr lang="en-US" dirty="0"/>
           </a:p>
@@ -18150,7 +18151,7 @@
               <a:pPr>
                 <a:defRPr/>
               </a:pPr>
-              <a:t>10/20/11</a:t>
+              <a:t>10/21/11</a:t>
             </a:fld>
             <a:endParaRPr lang="en-US" dirty="0"/>
           </a:p>
@@ -18598,7 +18599,7 @@
             <a:fld id="{9CA5C856-D373-2E49-9257-F90004C68B8A}" type="datetimeFigureOut">
               <a:rPr lang="en-US" smtClean="0"/>
               <a:pPr/>
-              <a:t>10/20/11</a:t>
+              <a:t>10/21/11</a:t>
             </a:fld>
             <a:endParaRPr lang="en-US" dirty="0"/>
           </a:p>
@@ -18946,7 +18947,7 @@
             <a:fld id="{9CA5C856-D373-2E49-9257-F90004C68B8A}" type="datetimeFigureOut">
               <a:rPr lang="en-US" smtClean="0"/>
               <a:pPr/>
-              <a:t>10/20/11</a:t>
+              <a:t>10/21/11</a:t>
             </a:fld>
             <a:endParaRPr lang="en-US" dirty="0"/>
           </a:p>
@@ -19160,7 +19161,7 @@
             <a:fld id="{9CA5C856-D373-2E49-9257-F90004C68B8A}" type="datetimeFigureOut">
               <a:rPr lang="en-US" smtClean="0"/>
               <a:pPr/>
-              <a:t>10/20/11</a:t>
+              <a:t>10/21/11</a:t>
             </a:fld>
             <a:endParaRPr lang="en-US" dirty="0"/>
           </a:p>
@@ -19819,7 +19820,7 @@
             <a:fld id="{4C4AD4EB-88D0-C141-9474-CCD86A78CB94}" type="datetimeFigureOut">
               <a:rPr lang="en-US" smtClean="0"/>
               <a:pPr/>
-              <a:t>10/20/11</a:t>
+              <a:t>10/21/11</a:t>
             </a:fld>
             <a:endParaRPr lang="en-US" dirty="0"/>
           </a:p>
@@ -20498,7 +20499,7 @@
             <a:fld id="{9CA5C856-D373-2E49-9257-F90004C68B8A}" type="datetimeFigureOut">
               <a:rPr lang="en-US" smtClean="0"/>
               <a:pPr/>
-              <a:t>10/20/11</a:t>
+              <a:t>10/21/11</a:t>
             </a:fld>
             <a:endParaRPr lang="en-US" dirty="0"/>
           </a:p>
@@ -21911,7 +21912,7 @@
             <a:fld id="{4C4AD4EB-88D0-C141-9474-CCD86A78CB94}" type="datetimeFigureOut">
               <a:rPr lang="en-US" smtClean="0"/>
               <a:pPr/>
-              <a:t>10/20/11</a:t>
+              <a:t>10/21/11</a:t>
             </a:fld>
             <a:endParaRPr lang="en-US" dirty="0"/>
           </a:p>
@@ -22586,7 +22587,7 @@
             <a:fld id="{4C4AD4EB-88D0-C141-9474-CCD86A78CB94}" type="datetimeFigureOut">
               <a:rPr lang="en-US" smtClean="0"/>
               <a:pPr/>
-              <a:t>10/20/11</a:t>
+              <a:t>10/21/11</a:t>
             </a:fld>
             <a:endParaRPr lang="en-US" dirty="0"/>
           </a:p>
@@ -23229,7 +23230,7 @@
             <a:fld id="{4C4AD4EB-88D0-C141-9474-CCD86A78CB94}" type="datetimeFigureOut">
               <a:rPr lang="en-US" smtClean="0"/>
               <a:pPr/>
-              <a:t>10/20/11</a:t>
+              <a:t>10/21/11</a:t>
             </a:fld>
             <a:endParaRPr lang="en-US" dirty="0"/>
           </a:p>
@@ -24672,7 +24673,7 @@
             <a:fld id="{4C4AD4EB-88D0-C141-9474-CCD86A78CB94}" type="datetimeFigureOut">
               <a:rPr lang="en-US" smtClean="0"/>
               <a:pPr/>
-              <a:t>10/20/11</a:t>
+              <a:t>10/21/11</a:t>
             </a:fld>
             <a:endParaRPr lang="en-US" dirty="0"/>
           </a:p>
@@ -25348,7 +25349,7 @@
             <a:fld id="{4C4AD4EB-88D0-C141-9474-CCD86A78CB94}" type="datetimeFigureOut">
               <a:rPr lang="en-US" smtClean="0"/>
               <a:pPr/>
-              <a:t>10/20/11</a:t>
+              <a:t>10/21/11</a:t>
             </a:fld>
             <a:endParaRPr lang="en-US" dirty="0"/>
           </a:p>
@@ -25991,7 +25992,7 @@
             <a:fld id="{4C4AD4EB-88D0-C141-9474-CCD86A78CB94}" type="datetimeFigureOut">
               <a:rPr lang="en-US" smtClean="0"/>
               <a:pPr/>
-              <a:t>10/20/11</a:t>
+              <a:t>10/21/11</a:t>
             </a:fld>
             <a:endParaRPr lang="en-US" dirty="0"/>
           </a:p>
@@ -26670,7 +26671,7 @@
             <a:fld id="{9CA5C856-D373-2E49-9257-F90004C68B8A}" type="datetimeFigureOut">
               <a:rPr lang="en-US" smtClean="0"/>
               <a:pPr/>
-              <a:t>10/20/11</a:t>
+              <a:t>10/21/11</a:t>
             </a:fld>
             <a:endParaRPr lang="en-US" dirty="0"/>
           </a:p>
@@ -28085,7 +28086,7 @@
             <a:fld id="{4C4AD4EB-88D0-C141-9474-CCD86A78CB94}" type="datetimeFigureOut">
               <a:rPr lang="en-US" smtClean="0"/>
               <a:pPr/>
-              <a:t>10/20/11</a:t>
+              <a:t>10/21/11</a:t>
             </a:fld>
             <a:endParaRPr lang="en-US" dirty="0"/>
           </a:p>
@@ -28760,7 +28761,7 @@
             <a:fld id="{4C4AD4EB-88D0-C141-9474-CCD86A78CB94}" type="datetimeFigureOut">
               <a:rPr lang="en-US" smtClean="0"/>
               <a:pPr/>
-              <a:t>10/20/11</a:t>
+              <a:t>10/21/11</a:t>
             </a:fld>
             <a:endParaRPr lang="en-US" dirty="0"/>
           </a:p>
@@ -30192,14 +30193,16 @@
           </a:prstGeom>
         </p:spPr>
         <p:style>
-          <a:lnRef idx="1">
-            <a:schemeClr val="accent1"/>
+          <a:lnRef idx="2">
+            <a:schemeClr val="accent4">
+              <a:shade val="50000"/>
+            </a:schemeClr>
           </a:lnRef>
-          <a:fillRef idx="3">
-            <a:schemeClr val="accent1"/>
+          <a:fillRef idx="1">
+            <a:schemeClr val="accent4"/>
           </a:fillRef>
-          <a:effectRef idx="2">
-            <a:schemeClr val="accent1"/>
+          <a:effectRef idx="0">
+            <a:schemeClr val="accent4"/>
           </a:effectRef>
           <a:fontRef idx="minor">
             <a:schemeClr val="lt1"/>
@@ -30211,17 +30214,28 @@
           <a:p>
             <a:pPr algn="ctr"/>
             <a:r>
-              <a:rPr lang="en-US" dirty="0" smtClean="0"/>
+              <a:rPr lang="en-US" sz="1600" dirty="0" smtClean="0"/>
               <a:t>Mapping</a:t>
             </a:r>
           </a:p>
           <a:p>
             <a:pPr algn="ctr"/>
             <a:r>
-              <a:rPr lang="en-US" dirty="0" smtClean="0"/>
-              <a:t>With BFAST</a:t>
-            </a:r>
-            <a:endParaRPr lang="en-US" dirty="0"/>
+              <a:rPr lang="en-US" sz="1600" dirty="0" smtClean="0"/>
+              <a:t>With </a:t>
+            </a:r>
+            <a:r>
+              <a:rPr lang="en-US" sz="1600" dirty="0" smtClean="0"/>
+              <a:t>BFAST &amp;</a:t>
+            </a:r>
+          </a:p>
+          <a:p>
+            <a:pPr algn="ctr"/>
+            <a:r>
+              <a:rPr lang="en-US" sz="1600" dirty="0" smtClean="0"/>
+              <a:t>HPC </a:t>
+            </a:r>
+            <a:endParaRPr lang="en-US" sz="1600" dirty="0"/>
           </a:p>
         </p:txBody>
       </p:sp>
@@ -30233,7 +30247,7 @@
         </p:nvSpPr>
         <p:spPr>
           <a:xfrm>
-            <a:off x="1814131" y="5660353"/>
+            <a:off x="1814131" y="5522294"/>
             <a:ext cx="1987901" cy="966402"/>
           </a:xfrm>
           <a:prstGeom prst="rightArrowCallout">
@@ -30242,13 +30256,13 @@
         </p:spPr>
         <p:style>
           <a:lnRef idx="1">
-            <a:schemeClr val="accent1"/>
+            <a:schemeClr val="accent5"/>
           </a:lnRef>
           <a:fillRef idx="3">
-            <a:schemeClr val="accent1"/>
+            <a:schemeClr val="accent5"/>
           </a:fillRef>
           <a:effectRef idx="2">
-            <a:schemeClr val="accent1"/>
+            <a:schemeClr val="accent5"/>
           </a:effectRef>
           <a:fontRef idx="minor">
             <a:schemeClr val="lt1"/>
@@ -30291,13 +30305,13 @@
         </p:spPr>
         <p:style>
           <a:lnRef idx="1">
-            <a:schemeClr val="accent1"/>
+            <a:schemeClr val="accent5"/>
           </a:lnRef>
           <a:fillRef idx="3">
-            <a:schemeClr val="accent1"/>
+            <a:schemeClr val="accent5"/>
           </a:fillRef>
           <a:effectRef idx="2">
-            <a:schemeClr val="accent1"/>
+            <a:schemeClr val="accent5"/>
           </a:effectRef>
           <a:fontRef idx="minor">
             <a:schemeClr val="lt1"/>
@@ -30310,11 +30324,7 @@
             <a:pPr algn="ctr"/>
             <a:r>
               <a:rPr lang="en-US" dirty="0" smtClean="0"/>
-              <a:t>Other Peak</a:t>
-            </a:r>
-            <a:r>
-              <a:rPr lang="en-US" dirty="0" smtClean="0"/>
-              <a:t> Caller</a:t>
+              <a:t>Other Peak Caller</a:t>
             </a:r>
             <a:endParaRPr lang="en-US" dirty="0"/>
           </a:p>
@@ -32239,7 +32249,6 @@
               <a:rPr lang="en-US" dirty="0"/>
               <a:t> </a:t>
             </a:r>
-            <a:endParaRPr lang="en-US" dirty="0"/>
           </a:p>
         </p:txBody>
       </p:sp>
@@ -32500,6 +32509,434 @@
 </file>
 
 <file path=ppt/slides/slide13.xml><?xml version="1.0" encoding="utf-8"?>
+<p:sld xmlns:a="http://schemas.openxmlformats.org/drawingml/2006/main" xmlns:r="http://schemas.openxmlformats.org/officeDocument/2006/relationships" xmlns:p="http://schemas.openxmlformats.org/presentationml/2006/main">
+  <p:cSld>
+    <p:spTree>
+      <p:nvGrpSpPr>
+        <p:cNvPr id="1" name=""/>
+        <p:cNvGrpSpPr/>
+        <p:nvPr/>
+      </p:nvGrpSpPr>
+      <p:grpSpPr>
+        <a:xfrm>
+          <a:off x="0" y="0"/>
+          <a:ext cx="0" cy="0"/>
+          <a:chOff x="0" y="0"/>
+          <a:chExt cx="0" cy="0"/>
+        </a:xfrm>
+      </p:grpSpPr>
+      <p:sp>
+        <p:nvSpPr>
+          <p:cNvPr id="5" name="Title 4"/>
+          <p:cNvSpPr>
+            <a:spLocks noGrp="1"/>
+          </p:cNvSpPr>
+          <p:nvPr>
+            <p:ph type="title"/>
+          </p:nvPr>
+        </p:nvSpPr>
+        <p:spPr/>
+        <p:txBody>
+          <a:bodyPr>
+            <a:normAutofit/>
+          </a:bodyPr>
+          <a:lstStyle/>
+          <a:p>
+            <a:endParaRPr lang="en-US" dirty="0"/>
+          </a:p>
+        </p:txBody>
+      </p:sp>
+      <p:graphicFrame>
+        <p:nvGraphicFramePr>
+          <p:cNvPr id="2" name="Table 1"/>
+          <p:cNvGraphicFramePr>
+            <a:graphicFrameLocks noGrp="1"/>
+          </p:cNvGraphicFramePr>
+          <p:nvPr>
+            <p:extLst>
+              <p:ext uri="{D42A27DB-BD31-4B8C-83A1-F6EECF244321}">
+                <p14:modId xmlns:p14="http://schemas.microsoft.com/office/powerpoint/2010/main" val="3855839445"/>
+              </p:ext>
+            </p:extLst>
+          </p:nvPr>
+        </p:nvGraphicFramePr>
+        <p:xfrm>
+          <a:off x="277792" y="2151099"/>
+          <a:ext cx="8866207" cy="3444240"/>
+        </p:xfrm>
+        <a:graphic>
+          <a:graphicData uri="http://schemas.openxmlformats.org/drawingml/2006/table">
+            <a:tbl>
+              <a:tblPr firstRow="1" bandRow="1">
+                <a:tableStyleId>{5C22544A-7EE6-4342-B048-85BDC9FD1C3A}</a:tableStyleId>
+              </a:tblPr>
+              <a:tblGrid>
+                <a:gridCol w="1702179"/>
+                <a:gridCol w="1702179"/>
+                <a:gridCol w="1702179"/>
+                <a:gridCol w="1920042"/>
+                <a:gridCol w="1839628"/>
+              </a:tblGrid>
+              <a:tr h="370840">
+                <a:tc>
+                  <a:txBody>
+                    <a:bodyPr/>
+                    <a:lstStyle/>
+                    <a:p>
+                      <a:r>
+                        <a:rPr lang="en-US" sz="1600" dirty="0" smtClean="0"/>
+                        <a:t>Time Line</a:t>
+                      </a:r>
+                      <a:endParaRPr lang="en-US" sz="1600" dirty="0"/>
+                    </a:p>
+                  </a:txBody>
+                  <a:tcPr/>
+                </a:tc>
+                <a:tc>
+                  <a:txBody>
+                    <a:bodyPr/>
+                    <a:lstStyle/>
+                    <a:p>
+                      <a:r>
+                        <a:rPr lang="en-US" sz="1600" dirty="0" smtClean="0"/>
+                        <a:t>Oct 2011</a:t>
+                      </a:r>
+                    </a:p>
+                    <a:p>
+                      <a:r>
+                        <a:rPr lang="en-US" sz="1600" dirty="0" smtClean="0"/>
+                        <a:t>- Jan 2012</a:t>
+                      </a:r>
+                      <a:endParaRPr lang="en-US" sz="1600" dirty="0"/>
+                    </a:p>
+                  </a:txBody>
+                  <a:tcPr/>
+                </a:tc>
+                <a:tc>
+                  <a:txBody>
+                    <a:bodyPr/>
+                    <a:lstStyle/>
+                    <a:p>
+                      <a:r>
+                        <a:rPr lang="en-US" sz="1600" dirty="0" smtClean="0"/>
+                        <a:t>Jan 2012</a:t>
+                      </a:r>
+                    </a:p>
+                    <a:p>
+                      <a:r>
+                        <a:rPr lang="en-US" sz="1600" dirty="0" smtClean="0"/>
+                        <a:t>- Mar 2012</a:t>
+                      </a:r>
+                      <a:endParaRPr lang="en-US" sz="1600" dirty="0"/>
+                    </a:p>
+                  </a:txBody>
+                  <a:tcPr/>
+                </a:tc>
+                <a:tc>
+                  <a:txBody>
+                    <a:bodyPr/>
+                    <a:lstStyle/>
+                    <a:p>
+                      <a:r>
+                        <a:rPr lang="en-US" sz="1600" dirty="0" smtClean="0"/>
+                        <a:t>Mar 2012</a:t>
+                      </a:r>
+                    </a:p>
+                    <a:p>
+                      <a:r>
+                        <a:rPr lang="en-US" sz="1600" dirty="0" smtClean="0"/>
+                        <a:t>- June 2012</a:t>
+                      </a:r>
+                      <a:endParaRPr lang="en-US" sz="1600" dirty="0"/>
+                    </a:p>
+                  </a:txBody>
+                  <a:tcPr/>
+                </a:tc>
+                <a:tc>
+                  <a:txBody>
+                    <a:bodyPr/>
+                    <a:lstStyle/>
+                    <a:p>
+                      <a:r>
+                        <a:rPr lang="en-US" sz="1600" dirty="0" smtClean="0"/>
+                        <a:t>June 2012</a:t>
+                      </a:r>
+                    </a:p>
+                    <a:p>
+                      <a:r>
+                        <a:rPr lang="en-US" sz="1600" dirty="0" smtClean="0"/>
+                        <a:t>- Aug 2012</a:t>
+                      </a:r>
+                      <a:endParaRPr lang="en-US" sz="1600" dirty="0"/>
+                    </a:p>
+                  </a:txBody>
+                  <a:tcPr/>
+                </a:tc>
+              </a:tr>
+              <a:tr h="370840">
+                <a:tc>
+                  <a:txBody>
+                    <a:bodyPr/>
+                    <a:lstStyle/>
+                    <a:p>
+                      <a:r>
+                        <a:rPr lang="en-US" sz="1600" dirty="0" smtClean="0"/>
+                        <a:t>User Community</a:t>
+                      </a:r>
+                      <a:endParaRPr lang="en-US" sz="1600" dirty="0"/>
+                    </a:p>
+                  </a:txBody>
+                  <a:tcPr/>
+                </a:tc>
+                <a:tc>
+                  <a:txBody>
+                    <a:bodyPr/>
+                    <a:lstStyle/>
+                    <a:p>
+                      <a:r>
+                        <a:rPr lang="en-US" sz="1600" dirty="0" err="1" smtClean="0"/>
+                        <a:t>Gissendanner</a:t>
+                      </a:r>
+                      <a:r>
+                        <a:rPr lang="en-US" sz="1600" dirty="0" smtClean="0"/>
+                        <a:t> Lab (LBRN PI)</a:t>
+                      </a:r>
+                      <a:endParaRPr lang="en-US" sz="1600" dirty="0"/>
+                    </a:p>
+                  </a:txBody>
+                  <a:tcPr/>
+                </a:tc>
+                <a:tc>
+                  <a:txBody>
+                    <a:bodyPr/>
+                    <a:lstStyle/>
+                    <a:p>
+                      <a:r>
+                        <a:rPr lang="en-US" sz="1600" dirty="0" smtClean="0"/>
+                        <a:t>Ham (LSU)</a:t>
+                      </a:r>
+                    </a:p>
+                    <a:p>
+                      <a:r>
+                        <a:rPr lang="en-US" sz="1600" dirty="0" smtClean="0"/>
+                        <a:t>Flemington (Tulane)</a:t>
+                      </a:r>
+                    </a:p>
+                    <a:p>
+                      <a:r>
+                        <a:rPr lang="en-US" sz="1600" dirty="0" smtClean="0"/>
+                        <a:t>Rankinen</a:t>
+                      </a:r>
+                      <a:r>
+                        <a:rPr lang="en-US" sz="1600" baseline="0" dirty="0" smtClean="0"/>
+                        <a:t> (PBRC)</a:t>
+                      </a:r>
+                      <a:endParaRPr lang="en-US" sz="1600" dirty="0"/>
+                    </a:p>
+                  </a:txBody>
+                  <a:tcPr/>
+                </a:tc>
+                <a:tc>
+                  <a:txBody>
+                    <a:bodyPr/>
+                    <a:lstStyle/>
+                    <a:p>
+                      <a:r>
+                        <a:rPr lang="en-US" sz="1600" dirty="0" smtClean="0"/>
+                        <a:t>LSU</a:t>
+                      </a:r>
+                    </a:p>
+                    <a:p>
+                      <a:r>
+                        <a:rPr lang="en-US" sz="1600" dirty="0" smtClean="0"/>
+                        <a:t>LONI</a:t>
+                      </a:r>
+                    </a:p>
+                    <a:p>
+                      <a:r>
+                        <a:rPr lang="en-US" sz="1600" dirty="0" smtClean="0"/>
+                        <a:t>LBRN</a:t>
+                      </a:r>
+                      <a:endParaRPr lang="en-US" sz="1600" dirty="0"/>
+                    </a:p>
+                  </a:txBody>
+                  <a:tcPr/>
+                </a:tc>
+                <a:tc>
+                  <a:txBody>
+                    <a:bodyPr/>
+                    <a:lstStyle/>
+                    <a:p>
+                      <a:endParaRPr lang="en-US" sz="1600" dirty="0"/>
+                    </a:p>
+                  </a:txBody>
+                  <a:tcPr/>
+                </a:tc>
+              </a:tr>
+              <a:tr h="370840">
+                <a:tc>
+                  <a:txBody>
+                    <a:bodyPr/>
+                    <a:lstStyle/>
+                    <a:p>
+                      <a:r>
+                        <a:rPr lang="en-US" sz="1600" dirty="0" smtClean="0"/>
+                        <a:t>Development</a:t>
+                      </a:r>
+                    </a:p>
+                    <a:p>
+                      <a:r>
+                        <a:rPr lang="en-US" sz="1600" dirty="0" smtClean="0"/>
+                        <a:t>Focus</a:t>
+                      </a:r>
+                      <a:endParaRPr lang="en-US" sz="1600" dirty="0"/>
+                    </a:p>
+                  </a:txBody>
+                  <a:tcPr/>
+                </a:tc>
+                <a:tc>
+                  <a:txBody>
+                    <a:bodyPr/>
+                    <a:lstStyle/>
+                    <a:p>
+                      <a:pPr marL="285750" indent="-285750">
+                        <a:buFont typeface="Wingdings" charset="2"/>
+                        <a:buChar char="§"/>
+                      </a:pPr>
+                      <a:r>
+                        <a:rPr lang="en-US" sz="1600" dirty="0" smtClean="0"/>
+                        <a:t>Accounting</a:t>
+                      </a:r>
+                      <a:r>
+                        <a:rPr lang="en-US" sz="1600" baseline="0" dirty="0" smtClean="0"/>
+                        <a:t> with HPC</a:t>
+                      </a:r>
+                    </a:p>
+                    <a:p>
+                      <a:pPr marL="285750" indent="-285750">
+                        <a:buFont typeface="Wingdings" charset="2"/>
+                        <a:buChar char="§"/>
+                      </a:pPr>
+                      <a:endParaRPr lang="en-US" sz="1600" baseline="0" dirty="0" smtClean="0"/>
+                    </a:p>
+                    <a:p>
+                      <a:pPr marL="0" indent="0">
+                        <a:buFont typeface="Wingdings" charset="2"/>
+                        <a:buNone/>
+                      </a:pPr>
+                      <a:r>
+                        <a:rPr lang="en-US" sz="1600" baseline="0" dirty="0" smtClean="0"/>
+                        <a:t> </a:t>
+                      </a:r>
+                      <a:endParaRPr lang="en-US" sz="1600" dirty="0"/>
+                    </a:p>
+                  </a:txBody>
+                  <a:tcPr/>
+                </a:tc>
+                <a:tc>
+                  <a:txBody>
+                    <a:bodyPr/>
+                    <a:lstStyle/>
+                    <a:p>
+                      <a:pPr marL="285750" indent="-285750">
+                        <a:buFont typeface="Wingdings" charset="2"/>
+                        <a:buChar char="§"/>
+                      </a:pPr>
+                      <a:r>
+                        <a:rPr lang="en-US" sz="1600" dirty="0" smtClean="0"/>
+                        <a:t>RNA-Seq pipeline</a:t>
+                      </a:r>
+                    </a:p>
+                    <a:p>
+                      <a:pPr marL="285750" indent="-285750">
+                        <a:buFont typeface="Wingdings" charset="2"/>
+                        <a:buChar char="§"/>
+                      </a:pPr>
+                      <a:r>
+                        <a:rPr lang="en-US" sz="1600" dirty="0" smtClean="0"/>
+                        <a:t>XSEDE Resource Integration</a:t>
+                      </a:r>
+                      <a:endParaRPr lang="en-US" sz="1600" dirty="0"/>
+                    </a:p>
+                  </a:txBody>
+                  <a:tcPr/>
+                </a:tc>
+                <a:tc>
+                  <a:txBody>
+                    <a:bodyPr/>
+                    <a:lstStyle/>
+                    <a:p>
+                      <a:pPr marL="285750" indent="-285750">
+                        <a:buFont typeface="Wingdings" charset="2"/>
+                        <a:buChar char="§"/>
+                      </a:pPr>
+                      <a:r>
+                        <a:rPr lang="en-US" sz="1600" dirty="0" smtClean="0"/>
+                        <a:t>Community</a:t>
+                      </a:r>
+                      <a:r>
+                        <a:rPr lang="en-US" sz="1600" baseline="0" dirty="0" smtClean="0"/>
+                        <a:t> Engagement</a:t>
+                      </a:r>
+                    </a:p>
+                    <a:p>
+                      <a:pPr marL="285750" indent="-285750">
+                        <a:buFont typeface="Wingdings" charset="2"/>
+                        <a:buChar char="§"/>
+                      </a:pPr>
+                      <a:r>
+                        <a:rPr lang="en-US" sz="1600" baseline="0" dirty="0" smtClean="0"/>
+                        <a:t>More alternative tool Integration</a:t>
+                      </a:r>
+                      <a:endParaRPr lang="en-US" sz="1600" dirty="0"/>
+                    </a:p>
+                  </a:txBody>
+                  <a:tcPr/>
+                </a:tc>
+                <a:tc>
+                  <a:txBody>
+                    <a:bodyPr/>
+                    <a:lstStyle/>
+                    <a:p>
+                      <a:pPr marL="285750" indent="-285750">
+                        <a:buFont typeface="Wingdings" charset="2"/>
+                        <a:buChar char="§"/>
+                      </a:pPr>
+                      <a:r>
+                        <a:rPr lang="en-US" sz="1600" dirty="0" smtClean="0"/>
+                        <a:t>Type III service development</a:t>
+                      </a:r>
+                      <a:endParaRPr lang="en-US" sz="1600" dirty="0"/>
+                    </a:p>
+                  </a:txBody>
+                  <a:tcPr/>
+                </a:tc>
+              </a:tr>
+            </a:tbl>
+          </a:graphicData>
+        </a:graphic>
+      </p:graphicFrame>
+    </p:spTree>
+    <p:extLst>
+      <p:ext uri="{BB962C8B-B14F-4D97-AF65-F5344CB8AC3E}">
+        <p14:creationId xmlns:p14="http://schemas.microsoft.com/office/powerpoint/2010/main" val="1646589771"/>
+      </p:ext>
+    </p:extLst>
+  </p:cSld>
+  <p:clrMapOvr>
+    <a:masterClrMapping/>
+  </p:clrMapOvr>
+  <p:timing>
+    <p:tnLst>
+      <p:par>
+        <p:cTn xmlns:p14="http://schemas.microsoft.com/office/powerpoint/2010/main" id="1" dur="indefinite" restart="never" nodeType="tmRoot"/>
+      </p:par>
+    </p:tnLst>
+  </p:timing>
+</p:sld>
+</file>
+
+<file path=ppt/slides/slide14.xml><?xml version="1.0" encoding="utf-8"?>
 <p:sld xmlns:a="http://schemas.openxmlformats.org/drawingml/2006/main" xmlns:r="http://schemas.openxmlformats.org/officeDocument/2006/relationships" xmlns:p="http://schemas.openxmlformats.org/presentationml/2006/main">
   <p:cSld>
     <p:spTree>
